--- a/Docs/Tweets Analysis.pptx
+++ b/Docs/Tweets Analysis.pptx
@@ -5,15 +5,15 @@
     <p:sldMasterId id="2147483648" r:id="rId1"/>
   </p:sldMasterIdLst>
   <p:sldIdLst>
-    <p:sldId id="256" r:id="rId2"/>
-    <p:sldId id="257" r:id="rId3"/>
-    <p:sldId id="258" r:id="rId4"/>
-    <p:sldId id="259" r:id="rId5"/>
-    <p:sldId id="261" r:id="rId6"/>
-    <p:sldId id="262" r:id="rId7"/>
-    <p:sldId id="266" r:id="rId8"/>
-    <p:sldId id="263" r:id="rId9"/>
-    <p:sldId id="265" r:id="rId10"/>
+    <p:sldId id="256" r:id="rId3"/>
+    <p:sldId id="257" r:id="rId4"/>
+    <p:sldId id="258" r:id="rId5"/>
+    <p:sldId id="259" r:id="rId6"/>
+    <p:sldId id="261" r:id="rId7"/>
+    <p:sldId id="262" r:id="rId8"/>
+    <p:sldId id="266" r:id="rId9"/>
+    <p:sldId id="263" r:id="rId10"/>
+    <p:sldId id="265" r:id="rId11"/>
   </p:sldIdLst>
   <p:sldSz cx="12192000" cy="6858000"/>
   <p:notesSz cx="6858000" cy="9144000"/>
@@ -112,11 +112,6 @@
       </a:defRPr>
     </a:lvl9pPr>
   </p:defaultTextStyle>
-  <p:extLst>
-    <p:ext uri="{EFAFB233-063F-42B5-8137-9DF3F51BA10A}">
-      <p15:sldGuideLst xmlns:p15="http://schemas.microsoft.com/office/powerpoint/2012/main"/>
-    </p:ext>
-  </p:extLst>
 </p:presentation>
 </file>
 
@@ -308,8 +303,6 @@
           <a:p>
             <a:fld id="{B61BEF0D-F0BB-DE4B-95CE-6DB70DBA9567}" type="datetimeFigureOut">
               <a:rPr lang="en-US" dirty="0"/>
-              <a:pPr/>
-              <a:t>3/18/2018</a:t>
             </a:fld>
             <a:endParaRPr lang="en-US" dirty="0"/>
           </a:p>
@@ -438,8 +431,6 @@
           <a:p>
             <a:fld id="{D57F1E4F-1CFF-5643-939E-217C01CDF565}" type="slidenum">
               <a:rPr lang="en-US" dirty="0"/>
-              <a:pPr/>
-              <a:t>‹#›</a:t>
             </a:fld>
             <a:endParaRPr lang="en-US" dirty="0"/>
           </a:p>
@@ -511,7 +502,7 @@
             <a:spLocks noGrp="1"/>
           </p:cNvSpPr>
           <p:nvPr>
-            <p:ph type="body" idx="1"/>
+            <p:ph type="body" idx="1" hasCustomPrompt="1"/>
           </p:nvPr>
         </p:nvSpPr>
         <p:spPr>
@@ -643,8 +634,6 @@
           <a:p>
             <a:fld id="{B61BEF0D-F0BB-DE4B-95CE-6DB70DBA9567}" type="datetimeFigureOut">
               <a:rPr lang="en-US" dirty="0"/>
-              <a:pPr/>
-              <a:t>3/18/2018</a:t>
             </a:fld>
             <a:endParaRPr lang="en-US" dirty="0"/>
           </a:p>
@@ -773,8 +762,6 @@
           <a:p>
             <a:fld id="{D57F1E4F-1CFF-5643-939E-217C01CDF565}" type="slidenum">
               <a:rPr lang="en-US" dirty="0"/>
-              <a:pPr/>
-              <a:t>‹#›</a:t>
             </a:fld>
             <a:endParaRPr lang="en-US" dirty="0"/>
           </a:p>
@@ -846,7 +833,7 @@
             <a:spLocks noGrp="1"/>
           </p:cNvSpPr>
           <p:nvPr>
-            <p:ph type="body" sz="quarter" idx="13"/>
+            <p:ph type="body" sz="quarter" idx="13" hasCustomPrompt="1"/>
           </p:nvPr>
         </p:nvSpPr>
         <p:spPr>
@@ -909,7 +896,7 @@
             <a:spLocks noGrp="1"/>
           </p:cNvSpPr>
           <p:nvPr>
-            <p:ph type="body" idx="1"/>
+            <p:ph type="body" idx="1" hasCustomPrompt="1"/>
           </p:nvPr>
         </p:nvSpPr>
         <p:spPr>
@@ -1041,8 +1028,6 @@
           <a:p>
             <a:fld id="{B61BEF0D-F0BB-DE4B-95CE-6DB70DBA9567}" type="datetimeFigureOut">
               <a:rPr lang="en-US" dirty="0"/>
-              <a:pPr/>
-              <a:t>3/18/2018</a:t>
             </a:fld>
             <a:endParaRPr lang="en-US" dirty="0"/>
           </a:p>
@@ -1171,8 +1156,6 @@
           <a:p>
             <a:fld id="{D57F1E4F-1CFF-5643-939E-217C01CDF565}" type="slidenum">
               <a:rPr lang="en-US" dirty="0"/>
-              <a:pPr/>
-              <a:t>‹#›</a:t>
             </a:fld>
             <a:endParaRPr lang="en-US" dirty="0"/>
           </a:p>
@@ -1209,7 +1192,7 @@
                   <a:schemeClr val="accent1"/>
                 </a:solidFill>
                 <a:effectLst/>
-                <a:latin typeface="Arial"/>
+                <a:latin typeface="Arial" panose="02080604020202020204" charset="0"/>
               </a:rPr>
               <a:t>“</a:t>
             </a:r>
@@ -1247,7 +1230,7 @@
                   <a:schemeClr val="accent1"/>
                 </a:solidFill>
                 <a:effectLst/>
-                <a:latin typeface="Arial"/>
+                <a:latin typeface="Arial" panose="02080604020202020204" charset="0"/>
               </a:rPr>
               <a:t>”</a:t>
             </a:r>
@@ -1320,7 +1303,7 @@
             <a:spLocks noGrp="1"/>
           </p:cNvSpPr>
           <p:nvPr>
-            <p:ph type="body" sz="half" idx="2"/>
+            <p:ph type="body" sz="half" idx="2" hasCustomPrompt="1"/>
           </p:nvPr>
         </p:nvSpPr>
         <p:spPr>
@@ -1374,8 +1357,6 @@
           <a:p>
             <a:fld id="{B61BEF0D-F0BB-DE4B-95CE-6DB70DBA9567}" type="datetimeFigureOut">
               <a:rPr lang="en-US" dirty="0"/>
-              <a:pPr/>
-              <a:t>3/18/2018</a:t>
             </a:fld>
             <a:endParaRPr lang="en-US" dirty="0"/>
           </a:p>
@@ -1504,8 +1485,6 @@
           <a:p>
             <a:fld id="{D57F1E4F-1CFF-5643-939E-217C01CDF565}" type="slidenum">
               <a:rPr lang="en-US" dirty="0"/>
-              <a:pPr/>
-              <a:t>‹#›</a:t>
             </a:fld>
             <a:endParaRPr lang="en-US" dirty="0"/>
           </a:p>
@@ -1577,7 +1556,7 @@
             <a:spLocks noGrp="1"/>
           </p:cNvSpPr>
           <p:nvPr>
-            <p:ph type="body" sz="quarter" idx="13"/>
+            <p:ph type="body" sz="quarter" idx="13" hasCustomPrompt="1"/>
           </p:nvPr>
         </p:nvSpPr>
         <p:spPr>
@@ -1637,7 +1616,7 @@
             <a:spLocks noGrp="1"/>
           </p:cNvSpPr>
           <p:nvPr>
-            <p:ph type="body" sz="half" idx="2"/>
+            <p:ph type="body" sz="half" idx="2" hasCustomPrompt="1"/>
           </p:nvPr>
         </p:nvSpPr>
         <p:spPr>
@@ -1691,8 +1670,6 @@
           <a:p>
             <a:fld id="{B61BEF0D-F0BB-DE4B-95CE-6DB70DBA9567}" type="datetimeFigureOut">
               <a:rPr lang="en-US" dirty="0"/>
-              <a:pPr/>
-              <a:t>3/18/2018</a:t>
             </a:fld>
             <a:endParaRPr lang="en-US" dirty="0"/>
           </a:p>
@@ -1821,8 +1798,6 @@
           <a:p>
             <a:fld id="{D57F1E4F-1CFF-5643-939E-217C01CDF565}" type="slidenum">
               <a:rPr lang="en-US" dirty="0"/>
-              <a:pPr/>
-              <a:t>‹#›</a:t>
             </a:fld>
             <a:endParaRPr lang="en-US" dirty="0"/>
           </a:p>
@@ -1859,7 +1834,7 @@
                   <a:schemeClr val="accent1"/>
                 </a:solidFill>
                 <a:effectLst/>
-                <a:latin typeface="Arial"/>
+                <a:latin typeface="Arial" panose="02080604020202020204" charset="0"/>
               </a:rPr>
               <a:t>“</a:t>
             </a:r>
@@ -1897,7 +1872,7 @@
                   <a:schemeClr val="accent1"/>
                 </a:solidFill>
                 <a:effectLst/>
-                <a:latin typeface="Arial"/>
+                <a:latin typeface="Arial" panose="02080604020202020204" charset="0"/>
               </a:rPr>
               <a:t>”</a:t>
             </a:r>
@@ -1970,7 +1945,7 @@
             <a:spLocks noGrp="1"/>
           </p:cNvSpPr>
           <p:nvPr>
-            <p:ph type="body" sz="quarter" idx="13"/>
+            <p:ph type="body" sz="quarter" idx="13" hasCustomPrompt="1"/>
           </p:nvPr>
         </p:nvSpPr>
         <p:spPr>
@@ -2030,7 +2005,7 @@
             <a:spLocks noGrp="1"/>
           </p:cNvSpPr>
           <p:nvPr>
-            <p:ph type="body" sz="half" idx="2"/>
+            <p:ph type="body" sz="half" idx="2" hasCustomPrompt="1"/>
           </p:nvPr>
         </p:nvSpPr>
         <p:spPr>
@@ -2084,8 +2059,6 @@
           <a:p>
             <a:fld id="{B61BEF0D-F0BB-DE4B-95CE-6DB70DBA9567}" type="datetimeFigureOut">
               <a:rPr lang="en-US" dirty="0"/>
-              <a:pPr/>
-              <a:t>3/18/2018</a:t>
             </a:fld>
             <a:endParaRPr lang="en-US" dirty="0"/>
           </a:p>
@@ -2214,8 +2187,6 @@
           <a:p>
             <a:fld id="{D57F1E4F-1CFF-5643-939E-217C01CDF565}" type="slidenum">
               <a:rPr lang="en-US" dirty="0"/>
-              <a:pPr/>
-              <a:t>‹#›</a:t>
             </a:fld>
             <a:endParaRPr lang="en-US" dirty="0"/>
           </a:p>
@@ -2276,7 +2247,7 @@
             <a:spLocks noGrp="1"/>
           </p:cNvSpPr>
           <p:nvPr>
-            <p:ph type="body" orient="vert" idx="1"/>
+            <p:ph type="body" orient="vert" idx="1" hasCustomPrompt="1"/>
           </p:nvPr>
         </p:nvSpPr>
         <p:spPr/>
@@ -2289,6 +2260,7 @@
               <a:rPr lang="en-US"/>
               <a:t>Edit Master text styles</a:t>
             </a:r>
+            <a:endParaRPr lang="en-US"/>
           </a:p>
           <a:p>
             <a:pPr lvl="1"/>
@@ -2296,6 +2268,7 @@
               <a:rPr lang="en-US"/>
               <a:t>Second level</a:t>
             </a:r>
+            <a:endParaRPr lang="en-US"/>
           </a:p>
           <a:p>
             <a:pPr lvl="2"/>
@@ -2303,6 +2276,7 @@
               <a:rPr lang="en-US"/>
               <a:t>Third level</a:t>
             </a:r>
+            <a:endParaRPr lang="en-US"/>
           </a:p>
           <a:p>
             <a:pPr lvl="3"/>
@@ -2310,6 +2284,7 @@
               <a:rPr lang="en-US"/>
               <a:t>Fourth level</a:t>
             </a:r>
+            <a:endParaRPr lang="en-US"/>
           </a:p>
           <a:p>
             <a:pPr lvl="4"/>
@@ -2338,8 +2313,6 @@
           <a:p>
             <a:fld id="{B61BEF0D-F0BB-DE4B-95CE-6DB70DBA9567}" type="datetimeFigureOut">
               <a:rPr lang="en-US" dirty="0"/>
-              <a:pPr/>
-              <a:t>3/18/2018</a:t>
             </a:fld>
             <a:endParaRPr lang="en-US" dirty="0"/>
           </a:p>
@@ -2463,8 +2436,6 @@
           <a:p>
             <a:fld id="{D57F1E4F-1CFF-5643-939E-217C01CDF565}" type="slidenum">
               <a:rPr lang="en-US" dirty="0"/>
-              <a:pPr/>
-              <a:t>‹#›</a:t>
             </a:fld>
             <a:endParaRPr lang="en-US" dirty="0"/>
           </a:p>
@@ -2530,7 +2501,7 @@
             <a:spLocks noGrp="1"/>
           </p:cNvSpPr>
           <p:nvPr>
-            <p:ph type="body" orient="vert" idx="1"/>
+            <p:ph type="body" orient="vert" idx="1" hasCustomPrompt="1"/>
           </p:nvPr>
         </p:nvSpPr>
         <p:spPr>
@@ -2548,6 +2519,7 @@
               <a:rPr lang="en-US"/>
               <a:t>Edit Master text styles</a:t>
             </a:r>
+            <a:endParaRPr lang="en-US"/>
           </a:p>
           <a:p>
             <a:pPr lvl="1"/>
@@ -2555,6 +2527,7 @@
               <a:rPr lang="en-US"/>
               <a:t>Second level</a:t>
             </a:r>
+            <a:endParaRPr lang="en-US"/>
           </a:p>
           <a:p>
             <a:pPr lvl="2"/>
@@ -2562,6 +2535,7 @@
               <a:rPr lang="en-US"/>
               <a:t>Third level</a:t>
             </a:r>
+            <a:endParaRPr lang="en-US"/>
           </a:p>
           <a:p>
             <a:pPr lvl="3"/>
@@ -2569,6 +2543,7 @@
               <a:rPr lang="en-US"/>
               <a:t>Fourth level</a:t>
             </a:r>
+            <a:endParaRPr lang="en-US"/>
           </a:p>
           <a:p>
             <a:pPr lvl="4"/>
@@ -2597,8 +2572,6 @@
           <a:p>
             <a:fld id="{B61BEF0D-F0BB-DE4B-95CE-6DB70DBA9567}" type="datetimeFigureOut">
               <a:rPr lang="en-US" dirty="0"/>
-              <a:pPr/>
-              <a:t>3/18/2018</a:t>
             </a:fld>
             <a:endParaRPr lang="en-US" dirty="0"/>
           </a:p>
@@ -2722,8 +2695,6 @@
           <a:p>
             <a:fld id="{D57F1E4F-1CFF-5643-939E-217C01CDF565}" type="slidenum">
               <a:rPr lang="en-US" dirty="0"/>
-              <a:pPr/>
-              <a:t>‹#›</a:t>
             </a:fld>
             <a:endParaRPr lang="en-US" dirty="0"/>
           </a:p>
@@ -2789,7 +2760,7 @@
             <a:spLocks noGrp="1"/>
           </p:cNvSpPr>
           <p:nvPr>
-            <p:ph idx="1"/>
+            <p:ph idx="1" hasCustomPrompt="1"/>
           </p:nvPr>
         </p:nvSpPr>
         <p:spPr>
@@ -2807,6 +2778,7 @@
               <a:rPr lang="en-US"/>
               <a:t>Edit Master text styles</a:t>
             </a:r>
+            <a:endParaRPr lang="en-US"/>
           </a:p>
           <a:p>
             <a:pPr lvl="1"/>
@@ -2814,6 +2786,7 @@
               <a:rPr lang="en-US"/>
               <a:t>Second level</a:t>
             </a:r>
+            <a:endParaRPr lang="en-US"/>
           </a:p>
           <a:p>
             <a:pPr lvl="2"/>
@@ -2821,6 +2794,7 @@
               <a:rPr lang="en-US"/>
               <a:t>Third level</a:t>
             </a:r>
+            <a:endParaRPr lang="en-US"/>
           </a:p>
           <a:p>
             <a:pPr lvl="3"/>
@@ -2828,6 +2802,7 @@
               <a:rPr lang="en-US"/>
               <a:t>Fourth level</a:t>
             </a:r>
+            <a:endParaRPr lang="en-US"/>
           </a:p>
           <a:p>
             <a:pPr lvl="4"/>
@@ -2856,8 +2831,6 @@
           <a:p>
             <a:fld id="{B61BEF0D-F0BB-DE4B-95CE-6DB70DBA9567}" type="datetimeFigureOut">
               <a:rPr lang="en-US" dirty="0"/>
-              <a:pPr/>
-              <a:t>3/18/2018</a:t>
             </a:fld>
             <a:endParaRPr lang="en-US" dirty="0"/>
           </a:p>
@@ -2981,8 +2954,6 @@
           <a:p>
             <a:fld id="{D57F1E4F-1CFF-5643-939E-217C01CDF565}" type="slidenum">
               <a:rPr lang="en-US" dirty="0"/>
-              <a:pPr/>
-              <a:t>‹#›</a:t>
             </a:fld>
             <a:endParaRPr lang="en-US" dirty="0"/>
           </a:p>
@@ -3052,7 +3023,7 @@
             <a:spLocks noGrp="1"/>
           </p:cNvSpPr>
           <p:nvPr>
-            <p:ph type="body" idx="1"/>
+            <p:ph type="body" idx="1" hasCustomPrompt="1"/>
           </p:nvPr>
         </p:nvSpPr>
         <p:spPr>
@@ -3182,8 +3153,6 @@
           <a:p>
             <a:fld id="{B61BEF0D-F0BB-DE4B-95CE-6DB70DBA9567}" type="datetimeFigureOut">
               <a:rPr lang="en-US" dirty="0"/>
-              <a:pPr/>
-              <a:t>3/18/2018</a:t>
             </a:fld>
             <a:endParaRPr lang="en-US" dirty="0"/>
           </a:p>
@@ -3312,8 +3281,6 @@
           <a:p>
             <a:fld id="{D57F1E4F-1CFF-5643-939E-217C01CDF565}" type="slidenum">
               <a:rPr lang="en-US" dirty="0"/>
-              <a:pPr/>
-              <a:t>‹#›</a:t>
             </a:fld>
             <a:endParaRPr lang="en-US" dirty="0"/>
           </a:p>
@@ -3374,7 +3341,7 @@
             <a:spLocks noGrp="1"/>
           </p:cNvSpPr>
           <p:nvPr>
-            <p:ph sz="half" idx="1"/>
+            <p:ph sz="half" idx="1" hasCustomPrompt="1"/>
           </p:nvPr>
         </p:nvSpPr>
         <p:spPr>
@@ -3394,6 +3361,7 @@
               <a:rPr lang="en-US"/>
               <a:t>Edit Master text styles</a:t>
             </a:r>
+            <a:endParaRPr lang="en-US"/>
           </a:p>
           <a:p>
             <a:pPr lvl="1"/>
@@ -3401,6 +3369,7 @@
               <a:rPr lang="en-US"/>
               <a:t>Second level</a:t>
             </a:r>
+            <a:endParaRPr lang="en-US"/>
           </a:p>
           <a:p>
             <a:pPr lvl="2"/>
@@ -3408,6 +3377,7 @@
               <a:rPr lang="en-US"/>
               <a:t>Third level</a:t>
             </a:r>
+            <a:endParaRPr lang="en-US"/>
           </a:p>
           <a:p>
             <a:pPr lvl="3"/>
@@ -3415,6 +3385,7 @@
               <a:rPr lang="en-US"/>
               <a:t>Fourth level</a:t>
             </a:r>
+            <a:endParaRPr lang="en-US"/>
           </a:p>
           <a:p>
             <a:pPr lvl="4"/>
@@ -3433,7 +3404,7 @@
             <a:spLocks noGrp="1"/>
           </p:cNvSpPr>
           <p:nvPr>
-            <p:ph sz="half" idx="2"/>
+            <p:ph sz="half" idx="2" hasCustomPrompt="1"/>
           </p:nvPr>
         </p:nvSpPr>
         <p:spPr>
@@ -3453,6 +3424,7 @@
               <a:rPr lang="en-US"/>
               <a:t>Edit Master text styles</a:t>
             </a:r>
+            <a:endParaRPr lang="en-US"/>
           </a:p>
           <a:p>
             <a:pPr lvl="1"/>
@@ -3460,6 +3432,7 @@
               <a:rPr lang="en-US"/>
               <a:t>Second level</a:t>
             </a:r>
+            <a:endParaRPr lang="en-US"/>
           </a:p>
           <a:p>
             <a:pPr lvl="2"/>
@@ -3467,6 +3440,7 @@
               <a:rPr lang="en-US"/>
               <a:t>Third level</a:t>
             </a:r>
+            <a:endParaRPr lang="en-US"/>
           </a:p>
           <a:p>
             <a:pPr lvl="3"/>
@@ -3474,6 +3448,7 @@
               <a:rPr lang="en-US"/>
               <a:t>Fourth level</a:t>
             </a:r>
+            <a:endParaRPr lang="en-US"/>
           </a:p>
           <a:p>
             <a:pPr lvl="4"/>
@@ -3502,8 +3477,6 @@
           <a:p>
             <a:fld id="{B61BEF0D-F0BB-DE4B-95CE-6DB70DBA9567}" type="datetimeFigureOut">
               <a:rPr lang="en-US" dirty="0"/>
-              <a:pPr/>
-              <a:t>3/18/2018</a:t>
             </a:fld>
             <a:endParaRPr lang="en-US" dirty="0"/>
           </a:p>
@@ -3632,8 +3605,6 @@
           <a:p>
             <a:fld id="{D57F1E4F-1CFF-5643-939E-217C01CDF565}" type="slidenum">
               <a:rPr lang="en-US" dirty="0"/>
-              <a:pPr/>
-              <a:t>‹#›</a:t>
             </a:fld>
             <a:endParaRPr lang="en-US" dirty="0"/>
           </a:p>
@@ -3694,7 +3665,7 @@
             <a:spLocks noGrp="1"/>
           </p:cNvSpPr>
           <p:nvPr>
-            <p:ph type="body" idx="1"/>
+            <p:ph type="body" idx="1" hasCustomPrompt="1"/>
           </p:nvPr>
         </p:nvSpPr>
         <p:spPr>
@@ -3761,7 +3732,7 @@
             <a:spLocks noGrp="1"/>
           </p:cNvSpPr>
           <p:nvPr>
-            <p:ph sz="half" idx="2"/>
+            <p:ph sz="half" idx="2" hasCustomPrompt="1"/>
           </p:nvPr>
         </p:nvSpPr>
         <p:spPr>
@@ -3781,6 +3752,7 @@
               <a:rPr lang="en-US"/>
               <a:t>Edit Master text styles</a:t>
             </a:r>
+            <a:endParaRPr lang="en-US"/>
           </a:p>
           <a:p>
             <a:pPr lvl="1"/>
@@ -3788,6 +3760,7 @@
               <a:rPr lang="en-US"/>
               <a:t>Second level</a:t>
             </a:r>
+            <a:endParaRPr lang="en-US"/>
           </a:p>
           <a:p>
             <a:pPr lvl="2"/>
@@ -3795,6 +3768,7 @@
               <a:rPr lang="en-US"/>
               <a:t>Third level</a:t>
             </a:r>
+            <a:endParaRPr lang="en-US"/>
           </a:p>
           <a:p>
             <a:pPr lvl="3"/>
@@ -3802,6 +3776,7 @@
               <a:rPr lang="en-US"/>
               <a:t>Fourth level</a:t>
             </a:r>
+            <a:endParaRPr lang="en-US"/>
           </a:p>
           <a:p>
             <a:pPr lvl="4"/>
@@ -3820,7 +3795,7 @@
             <a:spLocks noGrp="1"/>
           </p:cNvSpPr>
           <p:nvPr>
-            <p:ph type="body" sz="quarter" idx="3"/>
+            <p:ph type="body" sz="quarter" idx="3" hasCustomPrompt="1"/>
           </p:nvPr>
         </p:nvSpPr>
         <p:spPr>
@@ -3887,7 +3862,7 @@
             <a:spLocks noGrp="1"/>
           </p:cNvSpPr>
           <p:nvPr>
-            <p:ph sz="quarter" idx="4"/>
+            <p:ph sz="quarter" idx="4" hasCustomPrompt="1"/>
           </p:nvPr>
         </p:nvSpPr>
         <p:spPr>
@@ -3907,6 +3882,7 @@
               <a:rPr lang="en-US"/>
               <a:t>Edit Master text styles</a:t>
             </a:r>
+            <a:endParaRPr lang="en-US"/>
           </a:p>
           <a:p>
             <a:pPr lvl="1"/>
@@ -3914,6 +3890,7 @@
               <a:rPr lang="en-US"/>
               <a:t>Second level</a:t>
             </a:r>
+            <a:endParaRPr lang="en-US"/>
           </a:p>
           <a:p>
             <a:pPr lvl="2"/>
@@ -3921,6 +3898,7 @@
               <a:rPr lang="en-US"/>
               <a:t>Third level</a:t>
             </a:r>
+            <a:endParaRPr lang="en-US"/>
           </a:p>
           <a:p>
             <a:pPr lvl="3"/>
@@ -3928,6 +3906,7 @@
               <a:rPr lang="en-US"/>
               <a:t>Fourth level</a:t>
             </a:r>
+            <a:endParaRPr lang="en-US"/>
           </a:p>
           <a:p>
             <a:pPr lvl="4"/>
@@ -3956,8 +3935,6 @@
           <a:p>
             <a:fld id="{B61BEF0D-F0BB-DE4B-95CE-6DB70DBA9567}" type="datetimeFigureOut">
               <a:rPr lang="en-US" dirty="0"/>
-              <a:pPr/>
-              <a:t>3/18/2018</a:t>
             </a:fld>
             <a:endParaRPr lang="en-US" dirty="0"/>
           </a:p>
@@ -4086,8 +4063,6 @@
           <a:p>
             <a:fld id="{D57F1E4F-1CFF-5643-939E-217C01CDF565}" type="slidenum">
               <a:rPr lang="en-US" dirty="0"/>
-              <a:pPr/>
-              <a:t>‹#›</a:t>
             </a:fld>
             <a:endParaRPr lang="en-US" dirty="0"/>
           </a:p>
@@ -4158,8 +4133,6 @@
           <a:p>
             <a:fld id="{B61BEF0D-F0BB-DE4B-95CE-6DB70DBA9567}" type="datetimeFigureOut">
               <a:rPr lang="en-US" dirty="0"/>
-              <a:pPr/>
-              <a:t>3/18/2018</a:t>
             </a:fld>
             <a:endParaRPr lang="en-US" dirty="0"/>
           </a:p>
@@ -4283,8 +4256,6 @@
           <a:p>
             <a:fld id="{D57F1E4F-1CFF-5643-939E-217C01CDF565}" type="slidenum">
               <a:rPr lang="en-US" dirty="0"/>
-              <a:pPr/>
-              <a:t>‹#›</a:t>
             </a:fld>
             <a:endParaRPr lang="en-US" dirty="0"/>
           </a:p>
@@ -4332,8 +4303,6 @@
           <a:p>
             <a:fld id="{B61BEF0D-F0BB-DE4B-95CE-6DB70DBA9567}" type="datetimeFigureOut">
               <a:rPr lang="en-US" dirty="0"/>
-              <a:pPr/>
-              <a:t>3/18/2018</a:t>
             </a:fld>
             <a:endParaRPr lang="en-US" dirty="0"/>
           </a:p>
@@ -4457,8 +4426,6 @@
           <a:p>
             <a:fld id="{D57F1E4F-1CFF-5643-939E-217C01CDF565}" type="slidenum">
               <a:rPr lang="en-US" dirty="0"/>
-              <a:pPr/>
-              <a:t>‹#›</a:t>
             </a:fld>
             <a:endParaRPr lang="en-US" dirty="0"/>
           </a:p>
@@ -4528,7 +4495,7 @@
             <a:spLocks noGrp="1"/>
           </p:cNvSpPr>
           <p:nvPr>
-            <p:ph idx="1"/>
+            <p:ph idx="1" hasCustomPrompt="1"/>
           </p:nvPr>
         </p:nvSpPr>
         <p:spPr>
@@ -4548,6 +4515,7 @@
               <a:rPr lang="en-US"/>
               <a:t>Edit Master text styles</a:t>
             </a:r>
+            <a:endParaRPr lang="en-US"/>
           </a:p>
           <a:p>
             <a:pPr lvl="1"/>
@@ -4555,6 +4523,7 @@
               <a:rPr lang="en-US"/>
               <a:t>Second level</a:t>
             </a:r>
+            <a:endParaRPr lang="en-US"/>
           </a:p>
           <a:p>
             <a:pPr lvl="2"/>
@@ -4562,6 +4531,7 @@
               <a:rPr lang="en-US"/>
               <a:t>Third level</a:t>
             </a:r>
+            <a:endParaRPr lang="en-US"/>
           </a:p>
           <a:p>
             <a:pPr lvl="3"/>
@@ -4569,6 +4539,7 @@
               <a:rPr lang="en-US"/>
               <a:t>Fourth level</a:t>
             </a:r>
+            <a:endParaRPr lang="en-US"/>
           </a:p>
           <a:p>
             <a:pPr lvl="4"/>
@@ -4587,7 +4558,7 @@
             <a:spLocks noGrp="1"/>
           </p:cNvSpPr>
           <p:nvPr>
-            <p:ph type="body" sz="half" idx="2"/>
+            <p:ph type="body" sz="half" idx="2" hasCustomPrompt="1"/>
           </p:nvPr>
         </p:nvSpPr>
         <p:spPr>
@@ -4662,8 +4633,6 @@
           <a:p>
             <a:fld id="{B61BEF0D-F0BB-DE4B-95CE-6DB70DBA9567}" type="datetimeFigureOut">
               <a:rPr lang="en-US" dirty="0"/>
-              <a:pPr/>
-              <a:t>3/18/2018</a:t>
             </a:fld>
             <a:endParaRPr lang="en-US" dirty="0"/>
           </a:p>
@@ -4787,8 +4756,6 @@
           <a:p>
             <a:fld id="{D57F1E4F-1CFF-5643-939E-217C01CDF565}" type="slidenum">
               <a:rPr lang="en-US" dirty="0"/>
-              <a:pPr/>
-              <a:t>‹#›</a:t>
             </a:fld>
             <a:endParaRPr lang="en-US" dirty="0"/>
           </a:p>
@@ -4927,7 +4894,7 @@
             <a:spLocks noGrp="1"/>
           </p:cNvSpPr>
           <p:nvPr>
-            <p:ph type="body" sz="half" idx="2"/>
+            <p:ph type="body" sz="half" idx="2" hasCustomPrompt="1"/>
           </p:nvPr>
         </p:nvSpPr>
         <p:spPr>
@@ -5004,8 +4971,6 @@
           <a:p>
             <a:fld id="{B61BEF0D-F0BB-DE4B-95CE-6DB70DBA9567}" type="datetimeFigureOut">
               <a:rPr lang="en-US" dirty="0"/>
-              <a:pPr/>
-              <a:t>3/18/2018</a:t>
             </a:fld>
             <a:endParaRPr lang="en-US" dirty="0"/>
           </a:p>
@@ -5134,8 +5099,6 @@
           <a:p>
             <a:fld id="{D57F1E4F-1CFF-5643-939E-217C01CDF565}" type="slidenum">
               <a:rPr lang="en-US" dirty="0"/>
-              <a:pPr/>
-              <a:t>‹#›</a:t>
             </a:fld>
             <a:endParaRPr lang="en-US" dirty="0"/>
           </a:p>
@@ -7051,6 +7014,7 @@
               <a:rPr lang="en-US"/>
               <a:t>Edit Master text styles</a:t>
             </a:r>
+            <a:endParaRPr lang="en-US"/>
           </a:p>
           <a:p>
             <a:pPr lvl="1"/>
@@ -7058,6 +7022,7 @@
               <a:rPr lang="en-US"/>
               <a:t>Second level</a:t>
             </a:r>
+            <a:endParaRPr lang="en-US"/>
           </a:p>
           <a:p>
             <a:pPr lvl="2"/>
@@ -7065,6 +7030,7 @@
               <a:rPr lang="en-US"/>
               <a:t>Third level</a:t>
             </a:r>
+            <a:endParaRPr lang="en-US"/>
           </a:p>
           <a:p>
             <a:pPr lvl="3"/>
@@ -7072,6 +7038,7 @@
               <a:rPr lang="en-US"/>
               <a:t>Fourth level</a:t>
             </a:r>
+            <a:endParaRPr lang="en-US"/>
           </a:p>
           <a:p>
             <a:pPr lvl="4"/>
@@ -7118,8 +7085,6 @@
           <a:p>
             <a:fld id="{B61BEF0D-F0BB-DE4B-95CE-6DB70DBA9567}" type="datetimeFigureOut">
               <a:rPr lang="en-US" dirty="0"/>
-              <a:pPr/>
-              <a:t>3/18/2018</a:t>
             </a:fld>
             <a:endParaRPr lang="en-US" dirty="0"/>
           </a:p>
@@ -7195,8 +7160,6 @@
           <a:p>
             <a:fld id="{D57F1E4F-1CFF-5643-939E-217C01CDF565}" type="slidenum">
               <a:rPr lang="en-US" dirty="0"/>
-              <a:pPr/>
-              <a:t>‹#›</a:t>
             </a:fld>
             <a:endParaRPr lang="en-US" dirty="0"/>
           </a:p>
@@ -7215,13 +7178,13 @@
     <p:sldLayoutId id="2147483655" r:id="rId7"/>
     <p:sldLayoutId id="2147483656" r:id="rId8"/>
     <p:sldLayoutId id="2147483657" r:id="rId9"/>
-    <p:sldLayoutId id="2147483660" r:id="rId10"/>
-    <p:sldLayoutId id="2147483661" r:id="rId11"/>
-    <p:sldLayoutId id="2147483662" r:id="rId12"/>
-    <p:sldLayoutId id="2147483663" r:id="rId13"/>
-    <p:sldLayoutId id="2147483664" r:id="rId14"/>
-    <p:sldLayoutId id="2147483658" r:id="rId15"/>
-    <p:sldLayoutId id="2147483659" r:id="rId16"/>
+    <p:sldLayoutId id="2147483658" r:id="rId10"/>
+    <p:sldLayoutId id="2147483659" r:id="rId11"/>
+    <p:sldLayoutId id="2147483660" r:id="rId12"/>
+    <p:sldLayoutId id="2147483661" r:id="rId13"/>
+    <p:sldLayoutId id="2147483662" r:id="rId14"/>
+    <p:sldLayoutId id="2147483663" r:id="rId15"/>
+    <p:sldLayoutId id="2147483664" r:id="rId16"/>
   </p:sldLayoutIdLst>
   <p:txStyles>
     <p:titleStyle>
@@ -7635,13 +7598,7 @@
       </p:grpSpPr>
       <p:sp>
         <p:nvSpPr>
-          <p:cNvPr id="2" name="Title 1">
-            <a:extLst>
-              <a:ext uri="{FF2B5EF4-FFF2-40B4-BE49-F238E27FC236}">
-                <a16:creationId xmlns:a16="http://schemas.microsoft.com/office/drawing/2014/main" id="{8DB89671-003C-4202-8643-5CD0641D91DC}"/>
-              </a:ext>
-            </a:extLst>
-          </p:cNvPr>
+          <p:cNvPr id="2" name="Title 1"/>
           <p:cNvSpPr>
             <a:spLocks noGrp="1"/>
           </p:cNvSpPr>
@@ -7663,13 +7620,7 @@
       </p:sp>
       <p:sp>
         <p:nvSpPr>
-          <p:cNvPr id="3" name="Subtitle 2">
-            <a:extLst>
-              <a:ext uri="{FF2B5EF4-FFF2-40B4-BE49-F238E27FC236}">
-                <a16:creationId xmlns:a16="http://schemas.microsoft.com/office/drawing/2014/main" id="{F0DCA508-FCC8-44B7-AAE9-FAD0FF7AAE2D}"/>
-              </a:ext>
-            </a:extLst>
-          </p:cNvPr>
+          <p:cNvPr id="3" name="Subtitle 2"/>
           <p:cNvSpPr>
             <a:spLocks noGrp="1"/>
           </p:cNvSpPr>
@@ -7690,6 +7641,7 @@
               <a:rPr lang="en-US" dirty="0"/>
               <a:t> Han &amp; Quan Yang</a:t>
             </a:r>
+            <a:endParaRPr lang="en-US" dirty="0"/>
           </a:p>
           <a:p>
             <a:r>
@@ -7713,11 +7665,6 @@
         </p:txBody>
       </p:sp>
     </p:spTree>
-    <p:extLst>
-      <p:ext uri="{BB962C8B-B14F-4D97-AF65-F5344CB8AC3E}">
-        <p14:creationId xmlns:p14="http://schemas.microsoft.com/office/powerpoint/2010/main" val="2445119264"/>
-      </p:ext>
-    </p:extLst>
   </p:cSld>
   <p:clrMapOvr>
     <a:masterClrMapping/>
@@ -7744,13 +7691,7 @@
       </p:grpSpPr>
       <p:sp>
         <p:nvSpPr>
-          <p:cNvPr id="2" name="Title 1">
-            <a:extLst>
-              <a:ext uri="{FF2B5EF4-FFF2-40B4-BE49-F238E27FC236}">
-                <a16:creationId xmlns:a16="http://schemas.microsoft.com/office/drawing/2014/main" id="{C1145D5B-400B-4367-9939-71FFE4EC4ECE}"/>
-              </a:ext>
-            </a:extLst>
-          </p:cNvPr>
+          <p:cNvPr id="2" name="Title 1"/>
           <p:cNvSpPr>
             <a:spLocks noGrp="1"/>
           </p:cNvSpPr>
@@ -7772,13 +7713,7 @@
       </p:sp>
       <p:pic>
         <p:nvPicPr>
-          <p:cNvPr id="1026" name="Picture 2" descr="An overview of what our end-to-end integration will look like.">
-            <a:extLst>
-              <a:ext uri="{FF2B5EF4-FFF2-40B4-BE49-F238E27FC236}">
-                <a16:creationId xmlns:a16="http://schemas.microsoft.com/office/drawing/2014/main" id="{84D351A8-A319-40E7-9DFE-50578948339D}"/>
-              </a:ext>
-            </a:extLst>
-          </p:cNvPr>
+          <p:cNvPr id="1026" name="Picture 2" descr="An overview of what our end-to-end integration will look like."/>
           <p:cNvPicPr>
             <a:picLocks noGrp="1" noChangeAspect="1" noChangeArrowheads="1"/>
           </p:cNvPicPr>
@@ -7787,7 +7722,7 @@
           </p:nvPr>
         </p:nvPicPr>
         <p:blipFill>
-          <a:blip r:embed="rId2">
+          <a:blip r:embed="rId1">
             <a:extLst>
               <a:ext uri="{28A0092B-C50C-407E-A947-70E740481C1C}">
                 <a14:useLocalDpi xmlns:a14="http://schemas.microsoft.com/office/drawing/2010/main" val="0"/>
@@ -7820,11 +7755,6 @@
         </p:spPr>
       </p:pic>
     </p:spTree>
-    <p:extLst>
-      <p:ext uri="{BB962C8B-B14F-4D97-AF65-F5344CB8AC3E}">
-        <p14:creationId xmlns:p14="http://schemas.microsoft.com/office/powerpoint/2010/main" val="3522212872"/>
-      </p:ext>
-    </p:extLst>
   </p:cSld>
   <p:clrMapOvr>
     <a:masterClrMapping/>
@@ -7851,13 +7781,7 @@
       </p:grpSpPr>
       <p:sp>
         <p:nvSpPr>
-          <p:cNvPr id="2" name="Title 1">
-            <a:extLst>
-              <a:ext uri="{FF2B5EF4-FFF2-40B4-BE49-F238E27FC236}">
-                <a16:creationId xmlns:a16="http://schemas.microsoft.com/office/drawing/2014/main" id="{B233D55B-0654-407F-A387-342FC699A28D}"/>
-              </a:ext>
-            </a:extLst>
-          </p:cNvPr>
+          <p:cNvPr id="2" name="Title 1"/>
           <p:cNvSpPr>
             <a:spLocks noGrp="1"/>
           </p:cNvSpPr>
@@ -7884,13 +7808,7 @@
       </p:sp>
       <p:pic>
         <p:nvPicPr>
-          <p:cNvPr id="4" name="Content Placeholder 3">
-            <a:extLst>
-              <a:ext uri="{FF2B5EF4-FFF2-40B4-BE49-F238E27FC236}">
-                <a16:creationId xmlns:a16="http://schemas.microsoft.com/office/drawing/2014/main" id="{6A83BEB3-91D2-43EE-9B6D-CCE5729630E6}"/>
-              </a:ext>
-            </a:extLst>
-          </p:cNvPr>
+          <p:cNvPr id="4" name="Content Placeholder 3"/>
           <p:cNvPicPr>
             <a:picLocks noGrp="1" noChangeAspect="1"/>
           </p:cNvPicPr>
@@ -7899,7 +7817,7 @@
           </p:nvPr>
         </p:nvPicPr>
         <p:blipFill>
-          <a:blip r:embed="rId2"/>
+          <a:blip r:embed="rId1"/>
           <a:stretch>
             <a:fillRect/>
           </a:stretch>
@@ -7916,20 +7834,14 @@
       </p:pic>
       <p:pic>
         <p:nvPicPr>
-          <p:cNvPr id="6" name="Picture 5">
-            <a:extLst>
-              <a:ext uri="{FF2B5EF4-FFF2-40B4-BE49-F238E27FC236}">
-                <a16:creationId xmlns:a16="http://schemas.microsoft.com/office/drawing/2014/main" id="{85760BAD-050C-43D6-9651-C37E17F3AE1B}"/>
-              </a:ext>
-            </a:extLst>
-          </p:cNvPr>
+          <p:cNvPr id="6" name="Picture 5"/>
           <p:cNvPicPr>
             <a:picLocks noChangeAspect="1"/>
           </p:cNvPicPr>
           <p:nvPr/>
         </p:nvPicPr>
         <p:blipFill>
-          <a:blip r:embed="rId3"/>
+          <a:blip r:embed="rId2"/>
           <a:stretch>
             <a:fillRect/>
           </a:stretch>
@@ -7945,11 +7857,6 @@
         </p:spPr>
       </p:pic>
     </p:spTree>
-    <p:extLst>
-      <p:ext uri="{BB962C8B-B14F-4D97-AF65-F5344CB8AC3E}">
-        <p14:creationId xmlns:p14="http://schemas.microsoft.com/office/powerpoint/2010/main" val="3670046223"/>
-      </p:ext>
-    </p:extLst>
   </p:cSld>
   <p:clrMapOvr>
     <a:masterClrMapping/>
@@ -7976,13 +7883,7 @@
       </p:grpSpPr>
       <p:sp>
         <p:nvSpPr>
-          <p:cNvPr id="2" name="Title 1">
-            <a:extLst>
-              <a:ext uri="{FF2B5EF4-FFF2-40B4-BE49-F238E27FC236}">
-                <a16:creationId xmlns:a16="http://schemas.microsoft.com/office/drawing/2014/main" id="{E39FAC21-3A11-4211-8CB4-251E9353EF82}"/>
-              </a:ext>
-            </a:extLst>
-          </p:cNvPr>
+          <p:cNvPr id="2" name="Title 1"/>
           <p:cNvSpPr>
             <a:spLocks noGrp="1"/>
           </p:cNvSpPr>
@@ -8009,13 +7910,7 @@
       </p:sp>
       <p:grpSp>
         <p:nvGrpSpPr>
-          <p:cNvPr id="20" name="Group 19">
-            <a:extLst>
-              <a:ext uri="{FF2B5EF4-FFF2-40B4-BE49-F238E27FC236}">
-                <a16:creationId xmlns:a16="http://schemas.microsoft.com/office/drawing/2014/main" id="{80F10E0A-8166-4B28-B46F-FABB88878EDA}"/>
-              </a:ext>
-            </a:extLst>
-          </p:cNvPr>
+          <p:cNvPr id="20" name="Group 19"/>
           <p:cNvGrpSpPr/>
           <p:nvPr/>
         </p:nvGrpSpPr>
@@ -8029,13 +7924,7 @@
         </p:grpSpPr>
         <p:grpSp>
           <p:nvGrpSpPr>
-            <p:cNvPr id="12" name="Group 11">
-              <a:extLst>
-                <a:ext uri="{FF2B5EF4-FFF2-40B4-BE49-F238E27FC236}">
-                  <a16:creationId xmlns:a16="http://schemas.microsoft.com/office/drawing/2014/main" id="{984684DE-F969-4778-85CF-1D11C9EB9326}"/>
-                </a:ext>
-              </a:extLst>
-            </p:cNvPr>
+            <p:cNvPr id="12" name="Group 11"/>
             <p:cNvGrpSpPr/>
             <p:nvPr/>
           </p:nvGrpSpPr>
@@ -8049,20 +7938,14 @@
           </p:grpSpPr>
           <p:pic>
             <p:nvPicPr>
-              <p:cNvPr id="2050" name="Picture 2" descr="Image result for tweet">
-                <a:extLst>
-                  <a:ext uri="{FF2B5EF4-FFF2-40B4-BE49-F238E27FC236}">
-                    <a16:creationId xmlns:a16="http://schemas.microsoft.com/office/drawing/2014/main" id="{9696904A-2074-45A4-90B7-7B04C82E8080}"/>
-                  </a:ext>
-                </a:extLst>
-              </p:cNvPr>
+              <p:cNvPr id="2050" name="Picture 2" descr="Image result for tweet"/>
               <p:cNvPicPr>
                 <a:picLocks noChangeAspect="1" noChangeArrowheads="1"/>
               </p:cNvPicPr>
               <p:nvPr/>
             </p:nvPicPr>
             <p:blipFill>
-              <a:blip r:embed="rId2">
+              <a:blip r:embed="rId1">
                 <a:extLst>
                   <a:ext uri="{28A0092B-C50C-407E-A947-70E740481C1C}">
                     <a14:useLocalDpi xmlns:a14="http://schemas.microsoft.com/office/drawing/2010/main" val="0"/>
@@ -8096,13 +7979,7 @@
           </p:pic>
           <p:sp>
             <p:nvSpPr>
-              <p:cNvPr id="4" name="Arrow: Right 3">
-                <a:extLst>
-                  <a:ext uri="{FF2B5EF4-FFF2-40B4-BE49-F238E27FC236}">
-                    <a16:creationId xmlns:a16="http://schemas.microsoft.com/office/drawing/2014/main" id="{210B6ED3-DB3C-4A85-BABE-F6FD6B7E348C}"/>
-                  </a:ext>
-                </a:extLst>
-              </p:cNvPr>
+              <p:cNvPr id="4" name="Arrow: Right 3"/>
               <p:cNvSpPr/>
               <p:nvPr/>
             </p:nvSpPr>
@@ -8142,13 +8019,7 @@
           </p:sp>
           <p:grpSp>
             <p:nvGrpSpPr>
-              <p:cNvPr id="8" name="Group 7">
-                <a:extLst>
-                  <a:ext uri="{FF2B5EF4-FFF2-40B4-BE49-F238E27FC236}">
-                    <a16:creationId xmlns:a16="http://schemas.microsoft.com/office/drawing/2014/main" id="{3AD28ED3-86D0-489A-80B0-03D68AA34FD7}"/>
-                  </a:ext>
-                </a:extLst>
-              </p:cNvPr>
+              <p:cNvPr id="8" name="Group 7"/>
               <p:cNvGrpSpPr/>
               <p:nvPr/>
             </p:nvGrpSpPr>
@@ -8162,20 +8033,14 @@
             </p:grpSpPr>
             <p:pic>
               <p:nvPicPr>
-                <p:cNvPr id="2056" name="Picture 8" descr="Image result for Python">
-                  <a:extLst>
-                    <a:ext uri="{FF2B5EF4-FFF2-40B4-BE49-F238E27FC236}">
-                      <a16:creationId xmlns:a16="http://schemas.microsoft.com/office/drawing/2014/main" id="{04784EF6-8353-47E7-A9A9-A12DABC56A70}"/>
-                    </a:ext>
-                  </a:extLst>
-                </p:cNvPr>
+                <p:cNvPr id="2056" name="Picture 8" descr="Image result for Python"/>
                 <p:cNvPicPr>
                   <a:picLocks noChangeAspect="1" noChangeArrowheads="1"/>
                 </p:cNvPicPr>
                 <p:nvPr/>
               </p:nvPicPr>
               <p:blipFill>
-                <a:blip r:embed="rId3">
+                <a:blip r:embed="rId2">
                   <a:extLst>
                     <a:ext uri="{28A0092B-C50C-407E-A947-70E740481C1C}">
                       <a14:useLocalDpi xmlns:a14="http://schemas.microsoft.com/office/drawing/2010/main" val="0"/>
@@ -8209,13 +8074,7 @@
             </p:pic>
             <p:sp>
               <p:nvSpPr>
-                <p:cNvPr id="7" name="TextBox 6">
-                  <a:extLst>
-                    <a:ext uri="{FF2B5EF4-FFF2-40B4-BE49-F238E27FC236}">
-                      <a16:creationId xmlns:a16="http://schemas.microsoft.com/office/drawing/2014/main" id="{B5276325-A379-4BEF-B852-CBCDBCB77B18}"/>
-                    </a:ext>
-                  </a:extLst>
-                </p:cNvPr>
+                <p:cNvPr id="7" name="TextBox 6"/>
                 <p:cNvSpPr txBox="1"/>
                 <p:nvPr/>
               </p:nvSpPr>
@@ -8247,13 +8106,7 @@
         </p:grpSp>
         <p:sp>
           <p:nvSpPr>
-            <p:cNvPr id="9" name="TextBox 8">
-              <a:extLst>
-                <a:ext uri="{FF2B5EF4-FFF2-40B4-BE49-F238E27FC236}">
-                  <a16:creationId xmlns:a16="http://schemas.microsoft.com/office/drawing/2014/main" id="{D1AB7F7C-1638-4775-B8DF-4F992BC1713B}"/>
-                </a:ext>
-              </a:extLst>
-            </p:cNvPr>
+            <p:cNvPr id="9" name="TextBox 8"/>
             <p:cNvSpPr txBox="1"/>
             <p:nvPr/>
           </p:nvSpPr>
@@ -8277,18 +8130,21 @@
                 <a:rPr lang="en-US" sz="1400" b="1" dirty="0"/>
                 <a:t>Consumer Key (API Key)</a:t>
               </a:r>
+              <a:endParaRPr lang="en-US" sz="1400" b="1" dirty="0"/>
             </a:p>
             <a:p>
               <a:r>
                 <a:rPr lang="en-US" sz="1400" b="1" dirty="0"/>
                 <a:t>Consumer Secret (API Secret)</a:t>
               </a:r>
+              <a:endParaRPr lang="en-US" sz="1400" b="1" dirty="0"/>
             </a:p>
             <a:p>
               <a:r>
                 <a:rPr lang="en-US" sz="1400" b="1" dirty="0"/>
                 <a:t>Access Token</a:t>
               </a:r>
+              <a:endParaRPr lang="en-US" sz="1400" b="1" dirty="0"/>
             </a:p>
             <a:p>
               <a:r>
@@ -8300,20 +8156,14 @@
         </p:sp>
         <p:pic>
           <p:nvPicPr>
-            <p:cNvPr id="2060" name="Picture 12" descr="Image result for apache kafka">
-              <a:extLst>
-                <a:ext uri="{FF2B5EF4-FFF2-40B4-BE49-F238E27FC236}">
-                  <a16:creationId xmlns:a16="http://schemas.microsoft.com/office/drawing/2014/main" id="{816D963D-DF67-4D07-BD19-FABBEDA924E5}"/>
-                </a:ext>
-              </a:extLst>
-            </p:cNvPr>
+            <p:cNvPr id="2060" name="Picture 12" descr="Image result for apache kafka"/>
             <p:cNvPicPr>
               <a:picLocks noChangeAspect="1" noChangeArrowheads="1"/>
             </p:cNvPicPr>
             <p:nvPr/>
           </p:nvPicPr>
           <p:blipFill>
-            <a:blip r:embed="rId4">
+            <a:blip r:embed="rId3">
               <a:extLst>
                 <a:ext uri="{28A0092B-C50C-407E-A947-70E740481C1C}">
                   <a14:useLocalDpi xmlns:a14="http://schemas.microsoft.com/office/drawing/2010/main" val="0"/>
@@ -8347,13 +8197,7 @@
         </p:pic>
         <p:sp>
           <p:nvSpPr>
-            <p:cNvPr id="14" name="Arrow: Right 13">
-              <a:extLst>
-                <a:ext uri="{FF2B5EF4-FFF2-40B4-BE49-F238E27FC236}">
-                  <a16:creationId xmlns:a16="http://schemas.microsoft.com/office/drawing/2014/main" id="{B978E06F-85DA-48E5-8ADF-64702720C4F5}"/>
-                </a:ext>
-              </a:extLst>
-            </p:cNvPr>
+            <p:cNvPr id="14" name="Arrow: Right 13"/>
             <p:cNvSpPr/>
             <p:nvPr/>
           </p:nvSpPr>
@@ -8393,13 +8237,7 @@
         </p:sp>
         <p:sp>
           <p:nvSpPr>
-            <p:cNvPr id="15" name="Rectangle: Rounded Corners 14">
-              <a:extLst>
-                <a:ext uri="{FF2B5EF4-FFF2-40B4-BE49-F238E27FC236}">
-                  <a16:creationId xmlns:a16="http://schemas.microsoft.com/office/drawing/2014/main" id="{D2E3A46D-576A-402E-B8C2-F887F47C7BDC}"/>
-                </a:ext>
-              </a:extLst>
-            </p:cNvPr>
+            <p:cNvPr id="15" name="Rectangle: Rounded Corners 14"/>
             <p:cNvSpPr/>
             <p:nvPr/>
           </p:nvSpPr>
@@ -8443,6 +8281,11 @@
                 </a:rPr>
                 <a:t>Spark </a:t>
               </a:r>
+              <a:endParaRPr lang="en-US" sz="2800" b="1" i="1" dirty="0">
+                <a:solidFill>
+                  <a:schemeClr val="tx1"/>
+                </a:solidFill>
+              </a:endParaRPr>
             </a:p>
             <a:p>
               <a:pPr algn="ctr"/>
@@ -8459,13 +8302,7 @@
         </p:sp>
         <p:sp>
           <p:nvSpPr>
-            <p:cNvPr id="16" name="Arrow: Left 15">
-              <a:extLst>
-                <a:ext uri="{FF2B5EF4-FFF2-40B4-BE49-F238E27FC236}">
-                  <a16:creationId xmlns:a16="http://schemas.microsoft.com/office/drawing/2014/main" id="{FA37CE26-13C0-4312-9286-74A7FF8968F9}"/>
-                </a:ext>
-              </a:extLst>
-            </p:cNvPr>
+            <p:cNvPr id="16" name="Arrow: Left 15"/>
             <p:cNvSpPr/>
             <p:nvPr/>
           </p:nvSpPr>
@@ -8505,13 +8342,7 @@
         </p:sp>
         <p:sp>
           <p:nvSpPr>
-            <p:cNvPr id="17" name="Arrow: Bent 16">
-              <a:extLst>
-                <a:ext uri="{FF2B5EF4-FFF2-40B4-BE49-F238E27FC236}">
-                  <a16:creationId xmlns:a16="http://schemas.microsoft.com/office/drawing/2014/main" id="{CACFCCF5-B61B-4FCC-83B6-E1D991BE9BCA}"/>
-                </a:ext>
-              </a:extLst>
-            </p:cNvPr>
+            <p:cNvPr id="17" name="Arrow: Bent 16"/>
             <p:cNvSpPr/>
             <p:nvPr/>
           </p:nvSpPr>
@@ -8555,13 +8386,7 @@
         </p:sp>
         <p:grpSp>
           <p:nvGrpSpPr>
-            <p:cNvPr id="18" name="Group 17">
-              <a:extLst>
-                <a:ext uri="{FF2B5EF4-FFF2-40B4-BE49-F238E27FC236}">
-                  <a16:creationId xmlns:a16="http://schemas.microsoft.com/office/drawing/2014/main" id="{70E23725-7545-491D-B7A2-3FEF714CAC73}"/>
-                </a:ext>
-              </a:extLst>
-            </p:cNvPr>
+            <p:cNvPr id="18" name="Group 17"/>
             <p:cNvGrpSpPr/>
             <p:nvPr/>
           </p:nvGrpSpPr>
@@ -8575,13 +8400,7 @@
           </p:grpSpPr>
           <p:sp>
             <p:nvSpPr>
-              <p:cNvPr id="19" name="Rectangle: Rounded Corners 18">
-                <a:extLst>
-                  <a:ext uri="{FF2B5EF4-FFF2-40B4-BE49-F238E27FC236}">
-                    <a16:creationId xmlns:a16="http://schemas.microsoft.com/office/drawing/2014/main" id="{CA0B9D7F-549B-48A8-9440-41E51095B63A}"/>
-                  </a:ext>
-                </a:extLst>
-              </p:cNvPr>
+              <p:cNvPr id="19" name="Rectangle: Rounded Corners 18"/>
               <p:cNvSpPr/>
               <p:nvPr/>
             </p:nvSpPr>
@@ -8625,6 +8444,11 @@
                   </a:rPr>
                   <a:t>Spark SQL</a:t>
                 </a:r>
+                <a:endParaRPr lang="en-US" sz="2800" b="1" i="1" dirty="0">
+                  <a:solidFill>
+                    <a:schemeClr val="tx1"/>
+                  </a:solidFill>
+                </a:endParaRPr>
               </a:p>
               <a:p>
                 <a:pPr algn="ctr"/>
@@ -8643,20 +8467,14 @@
           </p:sp>
           <p:pic>
             <p:nvPicPr>
-              <p:cNvPr id="2062" name="Picture 14" descr="Image result for apache Hive">
-                <a:extLst>
-                  <a:ext uri="{FF2B5EF4-FFF2-40B4-BE49-F238E27FC236}">
-                    <a16:creationId xmlns:a16="http://schemas.microsoft.com/office/drawing/2014/main" id="{92C50AD8-6A89-4688-91B8-CDDBFB9FC89A}"/>
-                  </a:ext>
-                </a:extLst>
-              </p:cNvPr>
+              <p:cNvPr id="2062" name="Picture 14" descr="Image result for apache Hive"/>
               <p:cNvPicPr>
                 <a:picLocks noChangeAspect="1" noChangeArrowheads="1"/>
               </p:cNvPicPr>
               <p:nvPr/>
             </p:nvPicPr>
             <p:blipFill>
-              <a:blip r:embed="rId5">
+              <a:blip r:embed="rId4">
                 <a:extLst>
                   <a:ext uri="{28A0092B-C50C-407E-A947-70E740481C1C}">
                     <a14:useLocalDpi xmlns:a14="http://schemas.microsoft.com/office/drawing/2010/main" val="0"/>
@@ -8691,20 +8509,14 @@
         </p:grpSp>
         <p:pic>
           <p:nvPicPr>
-            <p:cNvPr id="2064" name="Picture 16" descr="Image result for plotly">
-              <a:extLst>
-                <a:ext uri="{FF2B5EF4-FFF2-40B4-BE49-F238E27FC236}">
-                  <a16:creationId xmlns:a16="http://schemas.microsoft.com/office/drawing/2014/main" id="{6E0AD0B3-7EA6-41C5-B590-DD7C4A0D3CB3}"/>
-                </a:ext>
-              </a:extLst>
-            </p:cNvPr>
+            <p:cNvPr id="2064" name="Picture 16" descr="Image result for plotly"/>
             <p:cNvPicPr>
               <a:picLocks noChangeAspect="1" noChangeArrowheads="1"/>
             </p:cNvPicPr>
             <p:nvPr/>
           </p:nvPicPr>
           <p:blipFill>
-            <a:blip r:embed="rId6">
+            <a:blip r:embed="rId5">
               <a:extLst>
                 <a:ext uri="{28A0092B-C50C-407E-A947-70E740481C1C}">
                   <a14:useLocalDpi xmlns:a14="http://schemas.microsoft.com/office/drawing/2010/main" val="0"/>
@@ -8738,13 +8550,7 @@
         </p:pic>
         <p:sp>
           <p:nvSpPr>
-            <p:cNvPr id="25" name="Arrow: Left 24">
-              <a:extLst>
-                <a:ext uri="{FF2B5EF4-FFF2-40B4-BE49-F238E27FC236}">
-                  <a16:creationId xmlns:a16="http://schemas.microsoft.com/office/drawing/2014/main" id="{CC7394F5-E523-45AF-9364-FD28EDDED2E1}"/>
-                </a:ext>
-              </a:extLst>
-            </p:cNvPr>
+            <p:cNvPr id="25" name="Arrow: Left 24"/>
             <p:cNvSpPr/>
             <p:nvPr/>
           </p:nvSpPr>
@@ -8784,20 +8590,14 @@
         </p:sp>
         <p:pic>
           <p:nvPicPr>
-            <p:cNvPr id="2066" name="Picture 18" descr="Image result for apache Spark">
-              <a:extLst>
-                <a:ext uri="{FF2B5EF4-FFF2-40B4-BE49-F238E27FC236}">
-                  <a16:creationId xmlns:a16="http://schemas.microsoft.com/office/drawing/2014/main" id="{A4BEEF00-8716-49BE-9778-04DE5BE815B1}"/>
-                </a:ext>
-              </a:extLst>
-            </p:cNvPr>
+            <p:cNvPr id="2066" name="Picture 18" descr="Image result for apache Spark"/>
             <p:cNvPicPr>
               <a:picLocks noChangeAspect="1" noChangeArrowheads="1"/>
             </p:cNvPicPr>
             <p:nvPr/>
           </p:nvPicPr>
           <p:blipFill>
-            <a:blip r:embed="rId7">
+            <a:blip r:embed="rId6">
               <a:extLst>
                 <a:ext uri="{28A0092B-C50C-407E-A947-70E740481C1C}">
                   <a14:useLocalDpi xmlns:a14="http://schemas.microsoft.com/office/drawing/2010/main" val="0"/>
@@ -8831,11 +8631,6 @@
         </p:pic>
       </p:grpSp>
     </p:spTree>
-    <p:extLst>
-      <p:ext uri="{BB962C8B-B14F-4D97-AF65-F5344CB8AC3E}">
-        <p14:creationId xmlns:p14="http://schemas.microsoft.com/office/powerpoint/2010/main" val="1517920668"/>
-      </p:ext>
-    </p:extLst>
   </p:cSld>
   <p:clrMapOvr>
     <a:masterClrMapping/>
@@ -8862,13 +8657,7 @@
       </p:grpSpPr>
       <p:sp>
         <p:nvSpPr>
-          <p:cNvPr id="2" name="Title 1">
-            <a:extLst>
-              <a:ext uri="{FF2B5EF4-FFF2-40B4-BE49-F238E27FC236}">
-                <a16:creationId xmlns:a16="http://schemas.microsoft.com/office/drawing/2014/main" id="{067F5FE8-81C7-4654-8C37-48BD272D3C96}"/>
-              </a:ext>
-            </a:extLst>
-          </p:cNvPr>
+          <p:cNvPr id="2" name="Title 1"/>
           <p:cNvSpPr>
             <a:spLocks noGrp="1"/>
           </p:cNvSpPr>
@@ -8890,20 +8679,14 @@
             </a:br>
             <a:r>
               <a:rPr lang="en-US" sz="2800" dirty="0"/>
-              <a:t>------Top10 Languages in every 10 seconds</a:t>
+              <a:t>------Top10 Languages </a:t>
             </a:r>
           </a:p>
         </p:txBody>
       </p:sp>
       <p:pic>
         <p:nvPicPr>
-          <p:cNvPr id="5" name="Content Placeholder 4">
-            <a:extLst>
-              <a:ext uri="{FF2B5EF4-FFF2-40B4-BE49-F238E27FC236}">
-                <a16:creationId xmlns:a16="http://schemas.microsoft.com/office/drawing/2014/main" id="{3C756066-E330-4BB8-9BC0-B1B64F39D1A7}"/>
-              </a:ext>
-            </a:extLst>
-          </p:cNvPr>
+          <p:cNvPr id="5" name="Content Placeholder 4"/>
           <p:cNvPicPr>
             <a:picLocks noGrp="1" noChangeAspect="1"/>
           </p:cNvPicPr>
@@ -8912,7 +8695,7 @@
           </p:nvPr>
         </p:nvPicPr>
         <p:blipFill>
-          <a:blip r:embed="rId2"/>
+          <a:blip r:embed="rId1"/>
           <a:stretch>
             <a:fillRect/>
           </a:stretch>
@@ -8925,11 +8708,6 @@
         </p:spPr>
       </p:pic>
     </p:spTree>
-    <p:extLst>
-      <p:ext uri="{BB962C8B-B14F-4D97-AF65-F5344CB8AC3E}">
-        <p14:creationId xmlns:p14="http://schemas.microsoft.com/office/powerpoint/2010/main" val="3116269234"/>
-      </p:ext>
-    </p:extLst>
   </p:cSld>
   <p:clrMapOvr>
     <a:masterClrMapping/>
@@ -8956,13 +8734,7 @@
       </p:grpSpPr>
       <p:sp>
         <p:nvSpPr>
-          <p:cNvPr id="2" name="Title 1">
-            <a:extLst>
-              <a:ext uri="{FF2B5EF4-FFF2-40B4-BE49-F238E27FC236}">
-                <a16:creationId xmlns:a16="http://schemas.microsoft.com/office/drawing/2014/main" id="{58706FD5-D0A6-4909-96BF-20AF18C4E099}"/>
-              </a:ext>
-            </a:extLst>
-          </p:cNvPr>
+          <p:cNvPr id="2" name="Title 1"/>
           <p:cNvSpPr>
             <a:spLocks noGrp="1"/>
           </p:cNvSpPr>
@@ -8984,20 +8756,14 @@
             </a:br>
             <a:r>
               <a:rPr lang="en-US" sz="2800" dirty="0"/>
-              <a:t>------Top10 Sources in every 10 seconds</a:t>
+              <a:t>------Top10 Sources </a:t>
             </a:r>
           </a:p>
         </p:txBody>
       </p:sp>
       <p:pic>
         <p:nvPicPr>
-          <p:cNvPr id="5" name="Content Placeholder 4">
-            <a:extLst>
-              <a:ext uri="{FF2B5EF4-FFF2-40B4-BE49-F238E27FC236}">
-                <a16:creationId xmlns:a16="http://schemas.microsoft.com/office/drawing/2014/main" id="{4CAC4EE3-0A70-4135-A859-5CEA2ED31E8C}"/>
-              </a:ext>
-            </a:extLst>
-          </p:cNvPr>
+          <p:cNvPr id="5" name="Content Placeholder 4"/>
           <p:cNvPicPr>
             <a:picLocks noGrp="1" noChangeAspect="1"/>
           </p:cNvPicPr>
@@ -9006,7 +8772,7 @@
           </p:nvPr>
         </p:nvPicPr>
         <p:blipFill>
-          <a:blip r:embed="rId2"/>
+          <a:blip r:embed="rId1"/>
           <a:stretch>
             <a:fillRect/>
           </a:stretch>
@@ -9019,11 +8785,6 @@
         </p:spPr>
       </p:pic>
     </p:spTree>
-    <p:extLst>
-      <p:ext uri="{BB962C8B-B14F-4D97-AF65-F5344CB8AC3E}">
-        <p14:creationId xmlns:p14="http://schemas.microsoft.com/office/powerpoint/2010/main" val="780097352"/>
-      </p:ext>
-    </p:extLst>
   </p:cSld>
   <p:clrMapOvr>
     <a:masterClrMapping/>
@@ -9050,13 +8811,7 @@
       </p:grpSpPr>
       <p:sp>
         <p:nvSpPr>
-          <p:cNvPr id="2" name="Title 1">
-            <a:extLst>
-              <a:ext uri="{FF2B5EF4-FFF2-40B4-BE49-F238E27FC236}">
-                <a16:creationId xmlns:a16="http://schemas.microsoft.com/office/drawing/2014/main" id="{2CA440C5-232C-4872-9A87-5873C400E823}"/>
-              </a:ext>
-            </a:extLst>
-          </p:cNvPr>
+          <p:cNvPr id="2" name="Title 1"/>
           <p:cNvSpPr>
             <a:spLocks noGrp="1"/>
           </p:cNvSpPr>
@@ -9078,20 +8833,14 @@
             </a:br>
             <a:r>
               <a:rPr lang="en-US" sz="2800" dirty="0"/>
-              <a:t>------Top20 Topics in every 10 seconds</a:t>
+              <a:t>------Top20 Topics </a:t>
             </a:r>
           </a:p>
         </p:txBody>
       </p:sp>
       <p:pic>
         <p:nvPicPr>
-          <p:cNvPr id="5" name="Content Placeholder 4">
-            <a:extLst>
-              <a:ext uri="{FF2B5EF4-FFF2-40B4-BE49-F238E27FC236}">
-                <a16:creationId xmlns:a16="http://schemas.microsoft.com/office/drawing/2014/main" id="{24E3C0DD-C714-40A6-95D7-8A6FF6D5DC6F}"/>
-              </a:ext>
-            </a:extLst>
-          </p:cNvPr>
+          <p:cNvPr id="5" name="Content Placeholder 4"/>
           <p:cNvPicPr>
             <a:picLocks noGrp="1" noChangeAspect="1"/>
           </p:cNvPicPr>
@@ -9100,7 +8849,7 @@
           </p:nvPr>
         </p:nvPicPr>
         <p:blipFill>
-          <a:blip r:embed="rId2"/>
+          <a:blip r:embed="rId1"/>
           <a:stretch>
             <a:fillRect/>
           </a:stretch>
@@ -9113,11 +8862,6 @@
         </p:spPr>
       </p:pic>
     </p:spTree>
-    <p:extLst>
-      <p:ext uri="{BB962C8B-B14F-4D97-AF65-F5344CB8AC3E}">
-        <p14:creationId xmlns:p14="http://schemas.microsoft.com/office/powerpoint/2010/main" val="107920204"/>
-      </p:ext>
-    </p:extLst>
   </p:cSld>
   <p:clrMapOvr>
     <a:masterClrMapping/>
@@ -9144,13 +8888,7 @@
       </p:grpSpPr>
       <p:sp>
         <p:nvSpPr>
-          <p:cNvPr id="2" name="Title 1">
-            <a:extLst>
-              <a:ext uri="{FF2B5EF4-FFF2-40B4-BE49-F238E27FC236}">
-                <a16:creationId xmlns:a16="http://schemas.microsoft.com/office/drawing/2014/main" id="{CB6A3CB8-147C-45B0-A743-5FCCD5564598}"/>
-              </a:ext>
-            </a:extLst>
-          </p:cNvPr>
+          <p:cNvPr id="2" name="Title 1"/>
           <p:cNvSpPr>
             <a:spLocks noGrp="1"/>
           </p:cNvSpPr>
@@ -9172,20 +8910,14 @@
             </a:br>
             <a:r>
               <a:rPr lang="en-US" sz="2800" dirty="0"/>
-              <a:t>------Topics Trend in more than one hour</a:t>
+              <a:t>------Topics Trend </a:t>
             </a:r>
           </a:p>
         </p:txBody>
       </p:sp>
       <p:pic>
         <p:nvPicPr>
-          <p:cNvPr id="9" name="Content Placeholder 8">
-            <a:extLst>
-              <a:ext uri="{FF2B5EF4-FFF2-40B4-BE49-F238E27FC236}">
-                <a16:creationId xmlns:a16="http://schemas.microsoft.com/office/drawing/2014/main" id="{62AD24A3-3336-483F-9512-48BABD7745DC}"/>
-              </a:ext>
-            </a:extLst>
-          </p:cNvPr>
+          <p:cNvPr id="9" name="Content Placeholder 8"/>
           <p:cNvPicPr>
             <a:picLocks noGrp="1" noChangeAspect="1"/>
           </p:cNvPicPr>
@@ -9194,7 +8926,7 @@
           </p:nvPr>
         </p:nvPicPr>
         <p:blipFill>
-          <a:blip r:embed="rId2"/>
+          <a:blip r:embed="rId1"/>
           <a:stretch>
             <a:fillRect/>
           </a:stretch>
@@ -9207,11 +8939,6 @@
         </p:spPr>
       </p:pic>
     </p:spTree>
-    <p:extLst>
-      <p:ext uri="{BB962C8B-B14F-4D97-AF65-F5344CB8AC3E}">
-        <p14:creationId xmlns:p14="http://schemas.microsoft.com/office/powerpoint/2010/main" val="2766940550"/>
-      </p:ext>
-    </p:extLst>
   </p:cSld>
   <p:clrMapOvr>
     <a:masterClrMapping/>
@@ -9238,13 +8965,7 @@
       </p:grpSpPr>
       <p:pic>
         <p:nvPicPr>
-          <p:cNvPr id="4098" name="Picture 2" descr="Image result for Demo">
-            <a:extLst>
-              <a:ext uri="{FF2B5EF4-FFF2-40B4-BE49-F238E27FC236}">
-                <a16:creationId xmlns:a16="http://schemas.microsoft.com/office/drawing/2014/main" id="{6F635692-9922-44B1-81EF-196BE4809D6A}"/>
-              </a:ext>
-            </a:extLst>
-          </p:cNvPr>
+          <p:cNvPr id="4098" name="Picture 2" descr="Image result for Demo"/>
           <p:cNvPicPr>
             <a:picLocks noGrp="1" noChangeAspect="1" noChangeArrowheads="1"/>
           </p:cNvPicPr>
@@ -9253,7 +8974,7 @@
           </p:nvPr>
         </p:nvPicPr>
         <p:blipFill>
-          <a:blip r:embed="rId2">
+          <a:blip r:embed="rId1">
             <a:extLst>
               <a:ext uri="{28A0092B-C50C-407E-A947-70E740481C1C}">
                 <a14:useLocalDpi xmlns:a14="http://schemas.microsoft.com/office/drawing/2010/main" val="0"/>
@@ -9286,11 +9007,6 @@
         </p:spPr>
       </p:pic>
     </p:spTree>
-    <p:extLst>
-      <p:ext uri="{BB962C8B-B14F-4D97-AF65-F5344CB8AC3E}">
-        <p14:creationId xmlns:p14="http://schemas.microsoft.com/office/powerpoint/2010/main" val="3224157775"/>
-      </p:ext>
-    </p:extLst>
   </p:cSld>
   <p:clrMapOvr>
     <a:masterClrMapping/>
@@ -9341,7 +9057,7 @@
     </a:clrScheme>
     <a:fontScheme name="Wisp">
       <a:majorFont>
-        <a:latin typeface="Century Gothic" panose="020B0502020202020204"/>
+        <a:latin typeface="Century Gothic"/>
         <a:ea typeface=""/>
         <a:cs typeface=""/>
         <a:font script="Jpan" typeface="メイリオ"/>
@@ -9376,7 +9092,7 @@
         <a:font script="Geor" typeface="Sylfaen"/>
       </a:majorFont>
       <a:minorFont>
-        <a:latin typeface="Century Gothic" panose="020B0502020202020204"/>
+        <a:latin typeface="Century Gothic"/>
         <a:ea typeface=""/>
         <a:cs typeface=""/>
         <a:font script="Jpan" typeface="メイリオ"/>
@@ -9535,7 +9251,7 @@
   <a:extraClrSchemeLst/>
   <a:extLst>
     <a:ext uri="{05A4C25C-085E-4340-85A3-A5531E510DB2}">
-      <thm15:themeFamily xmlns:thm15="http://schemas.microsoft.com/office/thememl/2012/main" name="Wisp" id="{7CB32D59-10C0-40DD-B7BD-2E94284A981C}" vid="{24B1A44C-C006-48B2-A4D7-E5549B3D8CD4}"/>
+      <thm15:themeFamily xmlns:thm15="http://schemas.microsoft.com/office/thememl/2012/main" name="Office Theme" id="{62F939B6-93AF-4DB8-9C6B-D6C7DFDC589F}" vid="{4A3C46E8-61CC-4603-A589-7422A47A8E4A}"/>
     </a:ext>
   </a:extLst>
 </a:theme>

--- a/Docs/Tweets Analysis.pptx
+++ b/Docs/Tweets Analysis.pptx
@@ -5,15 +5,15 @@
     <p:sldMasterId id="2147483648" r:id="rId1"/>
   </p:sldMasterIdLst>
   <p:sldIdLst>
-    <p:sldId id="256" r:id="rId3"/>
-    <p:sldId id="257" r:id="rId4"/>
-    <p:sldId id="258" r:id="rId5"/>
-    <p:sldId id="259" r:id="rId6"/>
-    <p:sldId id="261" r:id="rId7"/>
-    <p:sldId id="262" r:id="rId8"/>
-    <p:sldId id="266" r:id="rId9"/>
-    <p:sldId id="263" r:id="rId10"/>
-    <p:sldId id="265" r:id="rId11"/>
+    <p:sldId id="256" r:id="rId2"/>
+    <p:sldId id="257" r:id="rId3"/>
+    <p:sldId id="258" r:id="rId4"/>
+    <p:sldId id="259" r:id="rId5"/>
+    <p:sldId id="261" r:id="rId6"/>
+    <p:sldId id="262" r:id="rId7"/>
+    <p:sldId id="266" r:id="rId8"/>
+    <p:sldId id="263" r:id="rId9"/>
+    <p:sldId id="265" r:id="rId10"/>
   </p:sldIdLst>
   <p:sldSz cx="12192000" cy="6858000"/>
   <p:notesSz cx="6858000" cy="9144000"/>
@@ -112,6 +112,11 @@
       </a:defRPr>
     </a:lvl9pPr>
   </p:defaultTextStyle>
+  <p:extLst>
+    <p:ext uri="{EFAFB233-063F-42B5-8137-9DF3F51BA10A}">
+      <p15:sldGuideLst xmlns:p15="http://schemas.microsoft.com/office/powerpoint/2012/main"/>
+    </p:ext>
+  </p:extLst>
 </p:presentation>
 </file>
 
@@ -303,6 +308,7 @@
           <a:p>
             <a:fld id="{B61BEF0D-F0BB-DE4B-95CE-6DB70DBA9567}" type="datetimeFigureOut">
               <a:rPr lang="en-US" dirty="0"/>
+              <a:t>3/19/2018</a:t>
             </a:fld>
             <a:endParaRPr lang="en-US" dirty="0"/>
           </a:p>
@@ -431,6 +437,7 @@
           <a:p>
             <a:fld id="{D57F1E4F-1CFF-5643-939E-217C01CDF565}" type="slidenum">
               <a:rPr lang="en-US" dirty="0"/>
+              <a:t>‹#›</a:t>
             </a:fld>
             <a:endParaRPr lang="en-US" dirty="0"/>
           </a:p>
@@ -634,6 +641,7 @@
           <a:p>
             <a:fld id="{B61BEF0D-F0BB-DE4B-95CE-6DB70DBA9567}" type="datetimeFigureOut">
               <a:rPr lang="en-US" dirty="0"/>
+              <a:t>3/19/2018</a:t>
             </a:fld>
             <a:endParaRPr lang="en-US" dirty="0"/>
           </a:p>
@@ -762,6 +770,7 @@
           <a:p>
             <a:fld id="{D57F1E4F-1CFF-5643-939E-217C01CDF565}" type="slidenum">
               <a:rPr lang="en-US" dirty="0"/>
+              <a:t>‹#›</a:t>
             </a:fld>
             <a:endParaRPr lang="en-US" dirty="0"/>
           </a:p>
@@ -1028,6 +1037,7 @@
           <a:p>
             <a:fld id="{B61BEF0D-F0BB-DE4B-95CE-6DB70DBA9567}" type="datetimeFigureOut">
               <a:rPr lang="en-US" dirty="0"/>
+              <a:t>3/19/2018</a:t>
             </a:fld>
             <a:endParaRPr lang="en-US" dirty="0"/>
           </a:p>
@@ -1156,6 +1166,7 @@
           <a:p>
             <a:fld id="{D57F1E4F-1CFF-5643-939E-217C01CDF565}" type="slidenum">
               <a:rPr lang="en-US" dirty="0"/>
+              <a:t>‹#›</a:t>
             </a:fld>
             <a:endParaRPr lang="en-US" dirty="0"/>
           </a:p>
@@ -1357,6 +1368,7 @@
           <a:p>
             <a:fld id="{B61BEF0D-F0BB-DE4B-95CE-6DB70DBA9567}" type="datetimeFigureOut">
               <a:rPr lang="en-US" dirty="0"/>
+              <a:t>3/19/2018</a:t>
             </a:fld>
             <a:endParaRPr lang="en-US" dirty="0"/>
           </a:p>
@@ -1485,6 +1497,7 @@
           <a:p>
             <a:fld id="{D57F1E4F-1CFF-5643-939E-217C01CDF565}" type="slidenum">
               <a:rPr lang="en-US" dirty="0"/>
+              <a:t>‹#›</a:t>
             </a:fld>
             <a:endParaRPr lang="en-US" dirty="0"/>
           </a:p>
@@ -1670,6 +1683,7 @@
           <a:p>
             <a:fld id="{B61BEF0D-F0BB-DE4B-95CE-6DB70DBA9567}" type="datetimeFigureOut">
               <a:rPr lang="en-US" dirty="0"/>
+              <a:t>3/19/2018</a:t>
             </a:fld>
             <a:endParaRPr lang="en-US" dirty="0"/>
           </a:p>
@@ -1798,6 +1812,7 @@
           <a:p>
             <a:fld id="{D57F1E4F-1CFF-5643-939E-217C01CDF565}" type="slidenum">
               <a:rPr lang="en-US" dirty="0"/>
+              <a:t>‹#›</a:t>
             </a:fld>
             <a:endParaRPr lang="en-US" dirty="0"/>
           </a:p>
@@ -2059,6 +2074,7 @@
           <a:p>
             <a:fld id="{B61BEF0D-F0BB-DE4B-95CE-6DB70DBA9567}" type="datetimeFigureOut">
               <a:rPr lang="en-US" dirty="0"/>
+              <a:t>3/19/2018</a:t>
             </a:fld>
             <a:endParaRPr lang="en-US" dirty="0"/>
           </a:p>
@@ -2187,6 +2203,7 @@
           <a:p>
             <a:fld id="{D57F1E4F-1CFF-5643-939E-217C01CDF565}" type="slidenum">
               <a:rPr lang="en-US" dirty="0"/>
+              <a:t>‹#›</a:t>
             </a:fld>
             <a:endParaRPr lang="en-US" dirty="0"/>
           </a:p>
@@ -2260,7 +2277,6 @@
               <a:rPr lang="en-US"/>
               <a:t>Edit Master text styles</a:t>
             </a:r>
-            <a:endParaRPr lang="en-US"/>
           </a:p>
           <a:p>
             <a:pPr lvl="1"/>
@@ -2268,7 +2284,6 @@
               <a:rPr lang="en-US"/>
               <a:t>Second level</a:t>
             </a:r>
-            <a:endParaRPr lang="en-US"/>
           </a:p>
           <a:p>
             <a:pPr lvl="2"/>
@@ -2276,7 +2291,6 @@
               <a:rPr lang="en-US"/>
               <a:t>Third level</a:t>
             </a:r>
-            <a:endParaRPr lang="en-US"/>
           </a:p>
           <a:p>
             <a:pPr lvl="3"/>
@@ -2284,7 +2298,6 @@
               <a:rPr lang="en-US"/>
               <a:t>Fourth level</a:t>
             </a:r>
-            <a:endParaRPr lang="en-US"/>
           </a:p>
           <a:p>
             <a:pPr lvl="4"/>
@@ -2313,6 +2326,7 @@
           <a:p>
             <a:fld id="{B61BEF0D-F0BB-DE4B-95CE-6DB70DBA9567}" type="datetimeFigureOut">
               <a:rPr lang="en-US" dirty="0"/>
+              <a:t>3/19/2018</a:t>
             </a:fld>
             <a:endParaRPr lang="en-US" dirty="0"/>
           </a:p>
@@ -2436,6 +2450,7 @@
           <a:p>
             <a:fld id="{D57F1E4F-1CFF-5643-939E-217C01CDF565}" type="slidenum">
               <a:rPr lang="en-US" dirty="0"/>
+              <a:t>‹#›</a:t>
             </a:fld>
             <a:endParaRPr lang="en-US" dirty="0"/>
           </a:p>
@@ -2519,7 +2534,6 @@
               <a:rPr lang="en-US"/>
               <a:t>Edit Master text styles</a:t>
             </a:r>
-            <a:endParaRPr lang="en-US"/>
           </a:p>
           <a:p>
             <a:pPr lvl="1"/>
@@ -2527,7 +2541,6 @@
               <a:rPr lang="en-US"/>
               <a:t>Second level</a:t>
             </a:r>
-            <a:endParaRPr lang="en-US"/>
           </a:p>
           <a:p>
             <a:pPr lvl="2"/>
@@ -2535,7 +2548,6 @@
               <a:rPr lang="en-US"/>
               <a:t>Third level</a:t>
             </a:r>
-            <a:endParaRPr lang="en-US"/>
           </a:p>
           <a:p>
             <a:pPr lvl="3"/>
@@ -2543,7 +2555,6 @@
               <a:rPr lang="en-US"/>
               <a:t>Fourth level</a:t>
             </a:r>
-            <a:endParaRPr lang="en-US"/>
           </a:p>
           <a:p>
             <a:pPr lvl="4"/>
@@ -2572,6 +2583,7 @@
           <a:p>
             <a:fld id="{B61BEF0D-F0BB-DE4B-95CE-6DB70DBA9567}" type="datetimeFigureOut">
               <a:rPr lang="en-US" dirty="0"/>
+              <a:t>3/19/2018</a:t>
             </a:fld>
             <a:endParaRPr lang="en-US" dirty="0"/>
           </a:p>
@@ -2695,6 +2707,7 @@
           <a:p>
             <a:fld id="{D57F1E4F-1CFF-5643-939E-217C01CDF565}" type="slidenum">
               <a:rPr lang="en-US" dirty="0"/>
+              <a:t>‹#›</a:t>
             </a:fld>
             <a:endParaRPr lang="en-US" dirty="0"/>
           </a:p>
@@ -2778,7 +2791,6 @@
               <a:rPr lang="en-US"/>
               <a:t>Edit Master text styles</a:t>
             </a:r>
-            <a:endParaRPr lang="en-US"/>
           </a:p>
           <a:p>
             <a:pPr lvl="1"/>
@@ -2786,7 +2798,6 @@
               <a:rPr lang="en-US"/>
               <a:t>Second level</a:t>
             </a:r>
-            <a:endParaRPr lang="en-US"/>
           </a:p>
           <a:p>
             <a:pPr lvl="2"/>
@@ -2794,7 +2805,6 @@
               <a:rPr lang="en-US"/>
               <a:t>Third level</a:t>
             </a:r>
-            <a:endParaRPr lang="en-US"/>
           </a:p>
           <a:p>
             <a:pPr lvl="3"/>
@@ -2802,7 +2812,6 @@
               <a:rPr lang="en-US"/>
               <a:t>Fourth level</a:t>
             </a:r>
-            <a:endParaRPr lang="en-US"/>
           </a:p>
           <a:p>
             <a:pPr lvl="4"/>
@@ -2831,6 +2840,7 @@
           <a:p>
             <a:fld id="{B61BEF0D-F0BB-DE4B-95CE-6DB70DBA9567}" type="datetimeFigureOut">
               <a:rPr lang="en-US" dirty="0"/>
+              <a:t>3/19/2018</a:t>
             </a:fld>
             <a:endParaRPr lang="en-US" dirty="0"/>
           </a:p>
@@ -2954,6 +2964,7 @@
           <a:p>
             <a:fld id="{D57F1E4F-1CFF-5643-939E-217C01CDF565}" type="slidenum">
               <a:rPr lang="en-US" dirty="0"/>
+              <a:t>‹#›</a:t>
             </a:fld>
             <a:endParaRPr lang="en-US" dirty="0"/>
           </a:p>
@@ -3153,6 +3164,7 @@
           <a:p>
             <a:fld id="{B61BEF0D-F0BB-DE4B-95CE-6DB70DBA9567}" type="datetimeFigureOut">
               <a:rPr lang="en-US" dirty="0"/>
+              <a:t>3/19/2018</a:t>
             </a:fld>
             <a:endParaRPr lang="en-US" dirty="0"/>
           </a:p>
@@ -3281,6 +3293,7 @@
           <a:p>
             <a:fld id="{D57F1E4F-1CFF-5643-939E-217C01CDF565}" type="slidenum">
               <a:rPr lang="en-US" dirty="0"/>
+              <a:t>‹#›</a:t>
             </a:fld>
             <a:endParaRPr lang="en-US" dirty="0"/>
           </a:p>
@@ -3361,7 +3374,6 @@
               <a:rPr lang="en-US"/>
               <a:t>Edit Master text styles</a:t>
             </a:r>
-            <a:endParaRPr lang="en-US"/>
           </a:p>
           <a:p>
             <a:pPr lvl="1"/>
@@ -3369,7 +3381,6 @@
               <a:rPr lang="en-US"/>
               <a:t>Second level</a:t>
             </a:r>
-            <a:endParaRPr lang="en-US"/>
           </a:p>
           <a:p>
             <a:pPr lvl="2"/>
@@ -3377,7 +3388,6 @@
               <a:rPr lang="en-US"/>
               <a:t>Third level</a:t>
             </a:r>
-            <a:endParaRPr lang="en-US"/>
           </a:p>
           <a:p>
             <a:pPr lvl="3"/>
@@ -3385,7 +3395,6 @@
               <a:rPr lang="en-US"/>
               <a:t>Fourth level</a:t>
             </a:r>
-            <a:endParaRPr lang="en-US"/>
           </a:p>
           <a:p>
             <a:pPr lvl="4"/>
@@ -3424,7 +3433,6 @@
               <a:rPr lang="en-US"/>
               <a:t>Edit Master text styles</a:t>
             </a:r>
-            <a:endParaRPr lang="en-US"/>
           </a:p>
           <a:p>
             <a:pPr lvl="1"/>
@@ -3432,7 +3440,6 @@
               <a:rPr lang="en-US"/>
               <a:t>Second level</a:t>
             </a:r>
-            <a:endParaRPr lang="en-US"/>
           </a:p>
           <a:p>
             <a:pPr lvl="2"/>
@@ -3440,7 +3447,6 @@
               <a:rPr lang="en-US"/>
               <a:t>Third level</a:t>
             </a:r>
-            <a:endParaRPr lang="en-US"/>
           </a:p>
           <a:p>
             <a:pPr lvl="3"/>
@@ -3448,7 +3454,6 @@
               <a:rPr lang="en-US"/>
               <a:t>Fourth level</a:t>
             </a:r>
-            <a:endParaRPr lang="en-US"/>
           </a:p>
           <a:p>
             <a:pPr lvl="4"/>
@@ -3477,6 +3482,7 @@
           <a:p>
             <a:fld id="{B61BEF0D-F0BB-DE4B-95CE-6DB70DBA9567}" type="datetimeFigureOut">
               <a:rPr lang="en-US" dirty="0"/>
+              <a:t>3/19/2018</a:t>
             </a:fld>
             <a:endParaRPr lang="en-US" dirty="0"/>
           </a:p>
@@ -3605,6 +3611,7 @@
           <a:p>
             <a:fld id="{D57F1E4F-1CFF-5643-939E-217C01CDF565}" type="slidenum">
               <a:rPr lang="en-US" dirty="0"/>
+              <a:t>‹#›</a:t>
             </a:fld>
             <a:endParaRPr lang="en-US" dirty="0"/>
           </a:p>
@@ -3752,7 +3759,6 @@
               <a:rPr lang="en-US"/>
               <a:t>Edit Master text styles</a:t>
             </a:r>
-            <a:endParaRPr lang="en-US"/>
           </a:p>
           <a:p>
             <a:pPr lvl="1"/>
@@ -3760,7 +3766,6 @@
               <a:rPr lang="en-US"/>
               <a:t>Second level</a:t>
             </a:r>
-            <a:endParaRPr lang="en-US"/>
           </a:p>
           <a:p>
             <a:pPr lvl="2"/>
@@ -3768,7 +3773,6 @@
               <a:rPr lang="en-US"/>
               <a:t>Third level</a:t>
             </a:r>
-            <a:endParaRPr lang="en-US"/>
           </a:p>
           <a:p>
             <a:pPr lvl="3"/>
@@ -3776,7 +3780,6 @@
               <a:rPr lang="en-US"/>
               <a:t>Fourth level</a:t>
             </a:r>
-            <a:endParaRPr lang="en-US"/>
           </a:p>
           <a:p>
             <a:pPr lvl="4"/>
@@ -3882,7 +3885,6 @@
               <a:rPr lang="en-US"/>
               <a:t>Edit Master text styles</a:t>
             </a:r>
-            <a:endParaRPr lang="en-US"/>
           </a:p>
           <a:p>
             <a:pPr lvl="1"/>
@@ -3890,7 +3892,6 @@
               <a:rPr lang="en-US"/>
               <a:t>Second level</a:t>
             </a:r>
-            <a:endParaRPr lang="en-US"/>
           </a:p>
           <a:p>
             <a:pPr lvl="2"/>
@@ -3898,7 +3899,6 @@
               <a:rPr lang="en-US"/>
               <a:t>Third level</a:t>
             </a:r>
-            <a:endParaRPr lang="en-US"/>
           </a:p>
           <a:p>
             <a:pPr lvl="3"/>
@@ -3906,7 +3906,6 @@
               <a:rPr lang="en-US"/>
               <a:t>Fourth level</a:t>
             </a:r>
-            <a:endParaRPr lang="en-US"/>
           </a:p>
           <a:p>
             <a:pPr lvl="4"/>
@@ -3935,6 +3934,7 @@
           <a:p>
             <a:fld id="{B61BEF0D-F0BB-DE4B-95CE-6DB70DBA9567}" type="datetimeFigureOut">
               <a:rPr lang="en-US" dirty="0"/>
+              <a:t>3/19/2018</a:t>
             </a:fld>
             <a:endParaRPr lang="en-US" dirty="0"/>
           </a:p>
@@ -4063,6 +4063,7 @@
           <a:p>
             <a:fld id="{D57F1E4F-1CFF-5643-939E-217C01CDF565}" type="slidenum">
               <a:rPr lang="en-US" dirty="0"/>
+              <a:t>‹#›</a:t>
             </a:fld>
             <a:endParaRPr lang="en-US" dirty="0"/>
           </a:p>
@@ -4133,6 +4134,7 @@
           <a:p>
             <a:fld id="{B61BEF0D-F0BB-DE4B-95CE-6DB70DBA9567}" type="datetimeFigureOut">
               <a:rPr lang="en-US" dirty="0"/>
+              <a:t>3/19/2018</a:t>
             </a:fld>
             <a:endParaRPr lang="en-US" dirty="0"/>
           </a:p>
@@ -4256,6 +4258,7 @@
           <a:p>
             <a:fld id="{D57F1E4F-1CFF-5643-939E-217C01CDF565}" type="slidenum">
               <a:rPr lang="en-US" dirty="0"/>
+              <a:t>‹#›</a:t>
             </a:fld>
             <a:endParaRPr lang="en-US" dirty="0"/>
           </a:p>
@@ -4303,6 +4306,7 @@
           <a:p>
             <a:fld id="{B61BEF0D-F0BB-DE4B-95CE-6DB70DBA9567}" type="datetimeFigureOut">
               <a:rPr lang="en-US" dirty="0"/>
+              <a:t>3/19/2018</a:t>
             </a:fld>
             <a:endParaRPr lang="en-US" dirty="0"/>
           </a:p>
@@ -4426,6 +4430,7 @@
           <a:p>
             <a:fld id="{D57F1E4F-1CFF-5643-939E-217C01CDF565}" type="slidenum">
               <a:rPr lang="en-US" dirty="0"/>
+              <a:t>‹#›</a:t>
             </a:fld>
             <a:endParaRPr lang="en-US" dirty="0"/>
           </a:p>
@@ -4515,7 +4520,6 @@
               <a:rPr lang="en-US"/>
               <a:t>Edit Master text styles</a:t>
             </a:r>
-            <a:endParaRPr lang="en-US"/>
           </a:p>
           <a:p>
             <a:pPr lvl="1"/>
@@ -4523,7 +4527,6 @@
               <a:rPr lang="en-US"/>
               <a:t>Second level</a:t>
             </a:r>
-            <a:endParaRPr lang="en-US"/>
           </a:p>
           <a:p>
             <a:pPr lvl="2"/>
@@ -4531,7 +4534,6 @@
               <a:rPr lang="en-US"/>
               <a:t>Third level</a:t>
             </a:r>
-            <a:endParaRPr lang="en-US"/>
           </a:p>
           <a:p>
             <a:pPr lvl="3"/>
@@ -4539,7 +4541,6 @@
               <a:rPr lang="en-US"/>
               <a:t>Fourth level</a:t>
             </a:r>
-            <a:endParaRPr lang="en-US"/>
           </a:p>
           <a:p>
             <a:pPr lvl="4"/>
@@ -4633,6 +4634,7 @@
           <a:p>
             <a:fld id="{B61BEF0D-F0BB-DE4B-95CE-6DB70DBA9567}" type="datetimeFigureOut">
               <a:rPr lang="en-US" dirty="0"/>
+              <a:t>3/19/2018</a:t>
             </a:fld>
             <a:endParaRPr lang="en-US" dirty="0"/>
           </a:p>
@@ -4756,6 +4758,7 @@
           <a:p>
             <a:fld id="{D57F1E4F-1CFF-5643-939E-217C01CDF565}" type="slidenum">
               <a:rPr lang="en-US" dirty="0"/>
+              <a:t>‹#›</a:t>
             </a:fld>
             <a:endParaRPr lang="en-US" dirty="0"/>
           </a:p>
@@ -4971,6 +4974,7 @@
           <a:p>
             <a:fld id="{B61BEF0D-F0BB-DE4B-95CE-6DB70DBA9567}" type="datetimeFigureOut">
               <a:rPr lang="en-US" dirty="0"/>
+              <a:t>3/19/2018</a:t>
             </a:fld>
             <a:endParaRPr lang="en-US" dirty="0"/>
           </a:p>
@@ -5099,6 +5103,7 @@
           <a:p>
             <a:fld id="{D57F1E4F-1CFF-5643-939E-217C01CDF565}" type="slidenum">
               <a:rPr lang="en-US" dirty="0"/>
+              <a:t>‹#›</a:t>
             </a:fld>
             <a:endParaRPr lang="en-US" dirty="0"/>
           </a:p>
@@ -7014,7 +7019,6 @@
               <a:rPr lang="en-US"/>
               <a:t>Edit Master text styles</a:t>
             </a:r>
-            <a:endParaRPr lang="en-US"/>
           </a:p>
           <a:p>
             <a:pPr lvl="1"/>
@@ -7022,7 +7026,6 @@
               <a:rPr lang="en-US"/>
               <a:t>Second level</a:t>
             </a:r>
-            <a:endParaRPr lang="en-US"/>
           </a:p>
           <a:p>
             <a:pPr lvl="2"/>
@@ -7030,7 +7033,6 @@
               <a:rPr lang="en-US"/>
               <a:t>Third level</a:t>
             </a:r>
-            <a:endParaRPr lang="en-US"/>
           </a:p>
           <a:p>
             <a:pPr lvl="3"/>
@@ -7038,7 +7040,6 @@
               <a:rPr lang="en-US"/>
               <a:t>Fourth level</a:t>
             </a:r>
-            <a:endParaRPr lang="en-US"/>
           </a:p>
           <a:p>
             <a:pPr lvl="4"/>
@@ -7085,6 +7086,7 @@
           <a:p>
             <a:fld id="{B61BEF0D-F0BB-DE4B-95CE-6DB70DBA9567}" type="datetimeFigureOut">
               <a:rPr lang="en-US" dirty="0"/>
+              <a:t>3/19/2018</a:t>
             </a:fld>
             <a:endParaRPr lang="en-US" dirty="0"/>
           </a:p>
@@ -7160,6 +7162,7 @@
           <a:p>
             <a:fld id="{D57F1E4F-1CFF-5643-939E-217C01CDF565}" type="slidenum">
               <a:rPr lang="en-US" dirty="0"/>
+              <a:t>‹#›</a:t>
             </a:fld>
             <a:endParaRPr lang="en-US" dirty="0"/>
           </a:p>
@@ -7635,13 +7638,12 @@
           <a:p>
             <a:r>
               <a:rPr lang="en-US" dirty="0" err="1"/>
-              <a:t>Jiechen</a:t>
+              <a:t>Jiecheng</a:t>
             </a:r>
             <a:r>
               <a:rPr lang="en-US" dirty="0"/>
               <a:t> Han &amp; Quan Yang</a:t>
             </a:r>
-            <a:endParaRPr lang="en-US" dirty="0"/>
           </a:p>
           <a:p>
             <a:r>
@@ -7722,7 +7724,7 @@
           </p:nvPr>
         </p:nvPicPr>
         <p:blipFill>
-          <a:blip r:embed="rId1">
+          <a:blip r:embed="rId2">
             <a:extLst>
               <a:ext uri="{28A0092B-C50C-407E-A947-70E740481C1C}">
                 <a14:useLocalDpi xmlns:a14="http://schemas.microsoft.com/office/drawing/2010/main" val="0"/>
@@ -7817,7 +7819,7 @@
           </p:nvPr>
         </p:nvPicPr>
         <p:blipFill>
-          <a:blip r:embed="rId1"/>
+          <a:blip r:embed="rId2"/>
           <a:stretch>
             <a:fillRect/>
           </a:stretch>
@@ -7841,7 +7843,7 @@
           <p:nvPr/>
         </p:nvPicPr>
         <p:blipFill>
-          <a:blip r:embed="rId2"/>
+          <a:blip r:embed="rId3"/>
           <a:stretch>
             <a:fillRect/>
           </a:stretch>
@@ -7945,7 +7947,7 @@
               <p:nvPr/>
             </p:nvPicPr>
             <p:blipFill>
-              <a:blip r:embed="rId1">
+              <a:blip r:embed="rId2">
                 <a:extLst>
                   <a:ext uri="{28A0092B-C50C-407E-A947-70E740481C1C}">
                     <a14:useLocalDpi xmlns:a14="http://schemas.microsoft.com/office/drawing/2010/main" val="0"/>
@@ -8040,7 +8042,7 @@
                 <p:nvPr/>
               </p:nvPicPr>
               <p:blipFill>
-                <a:blip r:embed="rId2">
+                <a:blip r:embed="rId3">
                   <a:extLst>
                     <a:ext uri="{28A0092B-C50C-407E-A947-70E740481C1C}">
                       <a14:useLocalDpi xmlns:a14="http://schemas.microsoft.com/office/drawing/2010/main" val="0"/>
@@ -8130,21 +8132,18 @@
                 <a:rPr lang="en-US" sz="1400" b="1" dirty="0"/>
                 <a:t>Consumer Key (API Key)</a:t>
               </a:r>
-              <a:endParaRPr lang="en-US" sz="1400" b="1" dirty="0"/>
             </a:p>
             <a:p>
               <a:r>
                 <a:rPr lang="en-US" sz="1400" b="1" dirty="0"/>
                 <a:t>Consumer Secret (API Secret)</a:t>
               </a:r>
-              <a:endParaRPr lang="en-US" sz="1400" b="1" dirty="0"/>
             </a:p>
             <a:p>
               <a:r>
                 <a:rPr lang="en-US" sz="1400" b="1" dirty="0"/>
                 <a:t>Access Token</a:t>
               </a:r>
-              <a:endParaRPr lang="en-US" sz="1400" b="1" dirty="0"/>
             </a:p>
             <a:p>
               <a:r>
@@ -8163,7 +8162,7 @@
             <p:nvPr/>
           </p:nvPicPr>
           <p:blipFill>
-            <a:blip r:embed="rId3">
+            <a:blip r:embed="rId4">
               <a:extLst>
                 <a:ext uri="{28A0092B-C50C-407E-A947-70E740481C1C}">
                   <a14:useLocalDpi xmlns:a14="http://schemas.microsoft.com/office/drawing/2010/main" val="0"/>
@@ -8281,11 +8280,6 @@
                 </a:rPr>
                 <a:t>Spark </a:t>
               </a:r>
-              <a:endParaRPr lang="en-US" sz="2800" b="1" i="1" dirty="0">
-                <a:solidFill>
-                  <a:schemeClr val="tx1"/>
-                </a:solidFill>
-              </a:endParaRPr>
             </a:p>
             <a:p>
               <a:pPr algn="ctr"/>
@@ -8444,11 +8438,6 @@
                   </a:rPr>
                   <a:t>Spark SQL</a:t>
                 </a:r>
-                <a:endParaRPr lang="en-US" sz="2800" b="1" i="1" dirty="0">
-                  <a:solidFill>
-                    <a:schemeClr val="tx1"/>
-                  </a:solidFill>
-                </a:endParaRPr>
               </a:p>
               <a:p>
                 <a:pPr algn="ctr"/>
@@ -8474,7 +8463,7 @@
               <p:nvPr/>
             </p:nvPicPr>
             <p:blipFill>
-              <a:blip r:embed="rId4">
+              <a:blip r:embed="rId5">
                 <a:extLst>
                   <a:ext uri="{28A0092B-C50C-407E-A947-70E740481C1C}">
                     <a14:useLocalDpi xmlns:a14="http://schemas.microsoft.com/office/drawing/2010/main" val="0"/>
@@ -8516,7 +8505,7 @@
             <p:nvPr/>
           </p:nvPicPr>
           <p:blipFill>
-            <a:blip r:embed="rId5">
+            <a:blip r:embed="rId6">
               <a:extLst>
                 <a:ext uri="{28A0092B-C50C-407E-A947-70E740481C1C}">
                   <a14:useLocalDpi xmlns:a14="http://schemas.microsoft.com/office/drawing/2010/main" val="0"/>
@@ -8597,7 +8586,7 @@
             <p:nvPr/>
           </p:nvPicPr>
           <p:blipFill>
-            <a:blip r:embed="rId6">
+            <a:blip r:embed="rId7">
               <a:extLst>
                 <a:ext uri="{28A0092B-C50C-407E-A947-70E740481C1C}">
                   <a14:useLocalDpi xmlns:a14="http://schemas.microsoft.com/office/drawing/2010/main" val="0"/>
@@ -8695,7 +8684,7 @@
           </p:nvPr>
         </p:nvPicPr>
         <p:blipFill>
-          <a:blip r:embed="rId1"/>
+          <a:blip r:embed="rId2"/>
           <a:stretch>
             <a:fillRect/>
           </a:stretch>
@@ -8772,7 +8761,7 @@
           </p:nvPr>
         </p:nvPicPr>
         <p:blipFill>
-          <a:blip r:embed="rId1"/>
+          <a:blip r:embed="rId2"/>
           <a:stretch>
             <a:fillRect/>
           </a:stretch>
@@ -8849,7 +8838,7 @@
           </p:nvPr>
         </p:nvPicPr>
         <p:blipFill>
-          <a:blip r:embed="rId1"/>
+          <a:blip r:embed="rId2"/>
           <a:stretch>
             <a:fillRect/>
           </a:stretch>
@@ -8926,7 +8915,7 @@
           </p:nvPr>
         </p:nvPicPr>
         <p:blipFill>
-          <a:blip r:embed="rId1"/>
+          <a:blip r:embed="rId2"/>
           <a:stretch>
             <a:fillRect/>
           </a:stretch>
@@ -8974,7 +8963,7 @@
           </p:nvPr>
         </p:nvPicPr>
         <p:blipFill>
-          <a:blip r:embed="rId1">
+          <a:blip r:embed="rId2">
             <a:extLst>
               <a:ext uri="{28A0092B-C50C-407E-A947-70E740481C1C}">
                 <a14:useLocalDpi xmlns:a14="http://schemas.microsoft.com/office/drawing/2010/main" val="0"/>

--- a/Docs/Tweets Analysis.pptx
+++ b/Docs/Tweets Analysis.pptx
@@ -7636,6 +7636,10 @@
             <a:r>
               <a:rPr lang="en-US" dirty="0" err="1"/>
               <a:t>Jiechen</a:t>
+            </a:r>
+            <a:r>
+              <a:rPr lang="x-none" altLang="en-US" dirty="0" err="1"/>
+              <a:t>g</a:t>
             </a:r>
             <a:r>
               <a:rPr lang="en-US" dirty="0"/>
